--- a/docs/project 2/Project Poster (154409 - Emmanuel Maneswa).pptx
+++ b/docs/project 2/Project Poster (154409 - Emmanuel Maneswa).pptx
@@ -1,20 +1,20 @@
 
 <file path=ppt/presentation.xml><?xml version="1.0" encoding="utf-8"?>
-<p:presentation xmlns:a="http://schemas.openxmlformats.org/drawingml/2006/main" xmlns:r="http://schemas.openxmlformats.org/officeDocument/2006/relationships" xmlns:p="http://schemas.openxmlformats.org/presentationml/2006/main" saveSubsetFonts="1">
+<p:presentation xmlns:a="http://schemas.openxmlformats.org/drawingml/2006/main" xmlns:r="http://schemas.openxmlformats.org/officeDocument/2006/relationships" xmlns:p="http://schemas.openxmlformats.org/presentationml/2006/main">
   <p:sldMasterIdLst>
     <p:sldMasterId id="2147483648" r:id="rId1"/>
   </p:sldMasterIdLst>
   <p:notesMasterIdLst>
-    <p:notesMasterId r:id="rId3"/>
+    <p:notesMasterId r:id="rId4"/>
   </p:notesMasterIdLst>
   <p:handoutMasterIdLst>
-    <p:handoutMasterId r:id="rId4"/>
+    <p:handoutMasterId r:id="rId5"/>
   </p:handoutMasterIdLst>
   <p:sldIdLst>
-    <p:sldId id="256" r:id="rId2"/>
+    <p:sldId id="256" r:id="rId3"/>
   </p:sldIdLst>
-  <p:sldSz cx="30243463" cy="42845038"/>
-  <p:notesSz cx="7559675" cy="10691813"/>
+  <p:sldSz cx="30243145" cy="42844720"/>
+  <p:notesSz cx="7559675" cy="10691495"/>
   <p:defaultTextStyle>
     <a:defPPr>
       <a:defRPr lang="tr-TR"/>
@@ -174,14 +174,13 @@
                 <a:spcPts val="0"/>
               </a:spcAft>
               <a:buNone/>
-              <a:tabLst/>
               <a:defRPr sz="1400"/>
             </a:pPr>
             <a:endParaRPr lang="tr-TR" sz="1400" b="0" i="0" u="none" strike="noStrike" kern="1200">
               <a:ln>
                 <a:noFill/>
               </a:ln>
-              <a:latin typeface="Arial" pitchFamily="18"/>
+              <a:latin typeface="Arial" panose="020B0604020202020204" pitchFamily="2"/>
               <a:ea typeface="Microsoft YaHei" pitchFamily="2"/>
               <a:cs typeface="Mangal" pitchFamily="2"/>
             </a:endParaRPr>
@@ -226,14 +225,13 @@
                 <a:spcPts val="0"/>
               </a:spcAft>
               <a:buNone/>
-              <a:tabLst/>
               <a:defRPr sz="1400"/>
             </a:pPr>
             <a:endParaRPr lang="tr-TR" sz="1400" b="0" i="0" u="none" strike="noStrike" kern="1200">
               <a:ln>
                 <a:noFill/>
               </a:ln>
-              <a:latin typeface="Arial" pitchFamily="18"/>
+              <a:latin typeface="Arial" panose="020B0604020202020204" pitchFamily="2"/>
               <a:ea typeface="Microsoft YaHei" pitchFamily="2"/>
               <a:cs typeface="Mangal" pitchFamily="2"/>
             </a:endParaRPr>
@@ -278,14 +276,13 @@
                 <a:spcPts val="0"/>
               </a:spcAft>
               <a:buNone/>
-              <a:tabLst/>
               <a:defRPr sz="1400"/>
             </a:pPr>
             <a:endParaRPr lang="tr-TR" sz="1400" b="0" i="0" u="none" strike="noStrike" kern="1200">
               <a:ln>
                 <a:noFill/>
               </a:ln>
-              <a:latin typeface="Arial" pitchFamily="18"/>
+              <a:latin typeface="Arial" panose="020B0604020202020204" pitchFamily="2"/>
               <a:ea typeface="Microsoft YaHei" pitchFamily="2"/>
               <a:cs typeface="Mangal" pitchFamily="2"/>
             </a:endParaRPr>
@@ -330,17 +327,16 @@
                 <a:spcPts val="0"/>
               </a:spcAft>
               <a:buNone/>
-              <a:tabLst/>
               <a:defRPr sz="1400"/>
             </a:pPr>
             <a:fld id="{3251AE83-2A82-418F-B116-F3752E532A62}" type="slidenum">
-              <a:t>‹#›</a:t>
+              <a:rPr/>
             </a:fld>
             <a:endParaRPr lang="tr-TR" sz="1400" b="0" i="0" u="none" strike="noStrike" kern="1200">
               <a:ln>
                 <a:noFill/>
               </a:ln>
-              <a:latin typeface="Arial" pitchFamily="18"/>
+              <a:latin typeface="Arial" panose="020B0604020202020204" pitchFamily="2"/>
               <a:ea typeface="Microsoft YaHei" pitchFamily="2"/>
               <a:cs typeface="Mangal" pitchFamily="2"/>
             </a:endParaRPr>
@@ -348,11 +344,6 @@
         </p:txBody>
       </p:sp>
     </p:spTree>
-    <p:extLst>
-      <p:ext uri="{BB962C8B-B14F-4D97-AF65-F5344CB8AC3E}">
-        <p14:creationId xmlns:p14="http://schemas.microsoft.com/office/powerpoint/2010/main" val="1538163362"/>
-      </p:ext>
-    </p:extLst>
   </p:cSld>
   <p:clrMap bg1="lt1" tx1="dk1" bg2="lt2" tx2="dk2" accent1="accent1" accent2="accent2" accent3="accent3" accent4="accent4" accent5="accent5" accent6="accent6" hlink="hlink" folHlink="folHlink"/>
 </p:handoutMaster>
@@ -464,9 +455,8 @@
           <a:lstStyle>
             <a:lvl1pPr lvl="0" rtl="0" hangingPunct="0">
               <a:buNone/>
-              <a:tabLst/>
               <a:defRPr lang="tr-TR" sz="1400" kern="1200">
-                <a:latin typeface="Times New Roman" pitchFamily="18"/>
+                <a:latin typeface="Times New Roman" panose="02020603050405020304" pitchFamily="18"/>
                 <a:ea typeface="Lucida Sans Unicode" pitchFamily="2"/>
                 <a:cs typeface="Tahoma" pitchFamily="2"/>
               </a:defRPr>
@@ -506,9 +496,8 @@
           <a:lstStyle>
             <a:lvl1pPr lvl="0" algn="r" rtl="0" hangingPunct="0">
               <a:buNone/>
-              <a:tabLst/>
               <a:defRPr lang="tr-TR" sz="1400" kern="1200">
-                <a:latin typeface="Times New Roman" pitchFamily="18"/>
+                <a:latin typeface="Times New Roman" panose="02020603050405020304" pitchFamily="18"/>
                 <a:ea typeface="Lucida Sans Unicode" pitchFamily="2"/>
                 <a:cs typeface="Tahoma" pitchFamily="2"/>
               </a:defRPr>
@@ -548,9 +537,8 @@
           <a:lstStyle>
             <a:lvl1pPr lvl="0" rtl="0" hangingPunct="0">
               <a:buNone/>
-              <a:tabLst/>
               <a:defRPr lang="tr-TR" sz="1400" kern="1200">
-                <a:latin typeface="Times New Roman" pitchFamily="18"/>
+                <a:latin typeface="Times New Roman" panose="02020603050405020304" pitchFamily="18"/>
                 <a:ea typeface="Lucida Sans Unicode" pitchFamily="2"/>
                 <a:cs typeface="Tahoma" pitchFamily="2"/>
               </a:defRPr>
@@ -590,9 +578,8 @@
           <a:lstStyle>
             <a:lvl1pPr lvl="0" algn="r" rtl="0" hangingPunct="0">
               <a:buNone/>
-              <a:tabLst/>
               <a:defRPr lang="tr-TR" sz="1400" kern="1200">
-                <a:latin typeface="Times New Roman" pitchFamily="18"/>
+                <a:latin typeface="Times New Roman" panose="02020603050405020304" pitchFamily="18"/>
                 <a:ea typeface="Lucida Sans Unicode" pitchFamily="2"/>
                 <a:cs typeface="Tahoma" pitchFamily="2"/>
               </a:defRPr>
@@ -601,28 +588,22 @@
           <a:p>
             <a:pPr lvl="0"/>
             <a:fld id="{C11C7597-B59C-468B-B3D2-F6FA7D0AC256}" type="slidenum">
-              <a:t>‹#›</a:t>
+              <a:rPr/>
             </a:fld>
             <a:endParaRPr lang="tr-TR"/>
           </a:p>
         </p:txBody>
       </p:sp>
     </p:spTree>
-    <p:extLst>
-      <p:ext uri="{BB962C8B-B14F-4D97-AF65-F5344CB8AC3E}">
-        <p14:creationId xmlns:p14="http://schemas.microsoft.com/office/powerpoint/2010/main" val="1250683595"/>
-      </p:ext>
-    </p:extLst>
   </p:cSld>
   <p:clrMap bg1="lt1" tx1="dk1" bg2="lt2" tx2="dk2" accent1="accent1" accent2="accent2" accent3="accent3" accent4="accent4" accent5="accent5" accent6="accent6" hlink="hlink" folHlink="folHlink"/>
   <p:notesStyle>
-    <a:lvl1pPr marL="216000" marR="0" indent="-216000" rtl="0" hangingPunct="0">
-      <a:tabLst/>
+    <a:lvl1pPr marL="215900" marR="0" indent="-215900" rtl="0" hangingPunct="0">
       <a:defRPr lang="tr-TR" sz="2000" b="0" i="0" u="none" strike="noStrike" kern="1200">
         <a:ln>
           <a:noFill/>
         </a:ln>
-        <a:latin typeface="Arial" pitchFamily="18"/>
+        <a:latin typeface="Arial" panose="020B0604020202020204" pitchFamily="2"/>
         <a:ea typeface="Microsoft YaHei" pitchFamily="2"/>
       </a:defRPr>
     </a:lvl1pPr>
@@ -952,11 +933,6 @@
         </p:txBody>
       </p:sp>
     </p:spTree>
-    <p:extLst>
-      <p:ext uri="{BB962C8B-B14F-4D97-AF65-F5344CB8AC3E}">
-        <p14:creationId xmlns:p14="http://schemas.microsoft.com/office/powerpoint/2010/main" val="3199729115"/>
-      </p:ext>
-    </p:extLst>
   </p:cSld>
   <p:clrMapOvr>
     <a:masterClrMapping/>
@@ -1032,6 +1008,7 @@
               <a:rPr lang="en-US" smtClean="0"/>
               <a:t>Click to edit Master text styles</a:t>
             </a:r>
+            <a:endParaRPr lang="en-US" smtClean="0"/>
           </a:p>
           <a:p>
             <a:pPr lvl="1"/>
@@ -1039,6 +1016,7 @@
               <a:rPr lang="en-US" smtClean="0"/>
               <a:t>Second level</a:t>
             </a:r>
+            <a:endParaRPr lang="en-US" smtClean="0"/>
           </a:p>
           <a:p>
             <a:pPr lvl="2"/>
@@ -1046,6 +1024,7 @@
               <a:rPr lang="en-US" smtClean="0"/>
               <a:t>Third level</a:t>
             </a:r>
+            <a:endParaRPr lang="en-US" smtClean="0"/>
           </a:p>
           <a:p>
             <a:pPr lvl="3"/>
@@ -1053,6 +1032,7 @@
               <a:rPr lang="en-US" smtClean="0"/>
               <a:t>Fourth level</a:t>
             </a:r>
+            <a:endParaRPr lang="en-US" smtClean="0"/>
           </a:p>
           <a:p>
             <a:pPr lvl="4"/>
@@ -1065,11 +1045,6 @@
         </p:txBody>
       </p:sp>
     </p:spTree>
-    <p:extLst>
-      <p:ext uri="{BB962C8B-B14F-4D97-AF65-F5344CB8AC3E}">
-        <p14:creationId xmlns:p14="http://schemas.microsoft.com/office/powerpoint/2010/main" val="998822273"/>
-      </p:ext>
-    </p:extLst>
   </p:cSld>
   <p:clrMapOvr>
     <a:masterClrMapping/>
@@ -1155,6 +1130,7 @@
               <a:rPr lang="en-US" smtClean="0"/>
               <a:t>Click to edit Master text styles</a:t>
             </a:r>
+            <a:endParaRPr lang="en-US" smtClean="0"/>
           </a:p>
           <a:p>
             <a:pPr lvl="1"/>
@@ -1162,6 +1138,7 @@
               <a:rPr lang="en-US" smtClean="0"/>
               <a:t>Second level</a:t>
             </a:r>
+            <a:endParaRPr lang="en-US" smtClean="0"/>
           </a:p>
           <a:p>
             <a:pPr lvl="2"/>
@@ -1169,6 +1146,7 @@
               <a:rPr lang="en-US" smtClean="0"/>
               <a:t>Third level</a:t>
             </a:r>
+            <a:endParaRPr lang="en-US" smtClean="0"/>
           </a:p>
           <a:p>
             <a:pPr lvl="3"/>
@@ -1176,6 +1154,7 @@
               <a:rPr lang="en-US" smtClean="0"/>
               <a:t>Fourth level</a:t>
             </a:r>
+            <a:endParaRPr lang="en-US" smtClean="0"/>
           </a:p>
           <a:p>
             <a:pPr lvl="4"/>
@@ -1188,11 +1167,6 @@
         </p:txBody>
       </p:sp>
     </p:spTree>
-    <p:extLst>
-      <p:ext uri="{BB962C8B-B14F-4D97-AF65-F5344CB8AC3E}">
-        <p14:creationId xmlns:p14="http://schemas.microsoft.com/office/powerpoint/2010/main" val="3383077265"/>
-      </p:ext>
-    </p:extLst>
   </p:cSld>
   <p:clrMapOvr>
     <a:masterClrMapping/>
@@ -1268,6 +1242,7 @@
               <a:rPr lang="en-US" smtClean="0"/>
               <a:t>Click to edit Master text styles</a:t>
             </a:r>
+            <a:endParaRPr lang="en-US" smtClean="0"/>
           </a:p>
           <a:p>
             <a:pPr lvl="1"/>
@@ -1275,6 +1250,7 @@
               <a:rPr lang="en-US" smtClean="0"/>
               <a:t>Second level</a:t>
             </a:r>
+            <a:endParaRPr lang="en-US" smtClean="0"/>
           </a:p>
           <a:p>
             <a:pPr lvl="2"/>
@@ -1282,6 +1258,7 @@
               <a:rPr lang="en-US" smtClean="0"/>
               <a:t>Third level</a:t>
             </a:r>
+            <a:endParaRPr lang="en-US" smtClean="0"/>
           </a:p>
           <a:p>
             <a:pPr lvl="3"/>
@@ -1289,6 +1266,7 @@
               <a:rPr lang="en-US" smtClean="0"/>
               <a:t>Fourth level</a:t>
             </a:r>
+            <a:endParaRPr lang="en-US" smtClean="0"/>
           </a:p>
           <a:p>
             <a:pPr lvl="4"/>
@@ -1301,11 +1279,6 @@
         </p:txBody>
       </p:sp>
     </p:spTree>
-    <p:extLst>
-      <p:ext uri="{BB962C8B-B14F-4D97-AF65-F5344CB8AC3E}">
-        <p14:creationId xmlns:p14="http://schemas.microsoft.com/office/powerpoint/2010/main" val="1946263372"/>
-      </p:ext>
-    </p:extLst>
   </p:cSld>
   <p:clrMapOvr>
     <a:masterClrMapping/>
@@ -1486,15 +1459,11 @@
               <a:rPr lang="en-US" smtClean="0"/>
               <a:t>Click to edit Master text styles</a:t>
             </a:r>
+            <a:endParaRPr lang="en-US" smtClean="0"/>
           </a:p>
         </p:txBody>
       </p:sp>
     </p:spTree>
-    <p:extLst>
-      <p:ext uri="{BB962C8B-B14F-4D97-AF65-F5344CB8AC3E}">
-        <p14:creationId xmlns:p14="http://schemas.microsoft.com/office/powerpoint/2010/main" val="1014456601"/>
-      </p:ext>
-    </p:extLst>
   </p:cSld>
   <p:clrMapOvr>
     <a:masterClrMapping/>
@@ -1603,6 +1572,7 @@
               <a:rPr lang="en-US" smtClean="0"/>
               <a:t>Click to edit Master text styles</a:t>
             </a:r>
+            <a:endParaRPr lang="en-US" smtClean="0"/>
           </a:p>
           <a:p>
             <a:pPr lvl="1"/>
@@ -1610,6 +1580,7 @@
               <a:rPr lang="en-US" smtClean="0"/>
               <a:t>Second level</a:t>
             </a:r>
+            <a:endParaRPr lang="en-US" smtClean="0"/>
           </a:p>
           <a:p>
             <a:pPr lvl="2"/>
@@ -1617,6 +1588,7 @@
               <a:rPr lang="en-US" smtClean="0"/>
               <a:t>Third level</a:t>
             </a:r>
+            <a:endParaRPr lang="en-US" smtClean="0"/>
           </a:p>
           <a:p>
             <a:pPr lvl="3"/>
@@ -1624,6 +1596,7 @@
               <a:rPr lang="en-US" smtClean="0"/>
               <a:t>Fourth level</a:t>
             </a:r>
+            <a:endParaRPr lang="en-US" smtClean="0"/>
           </a:p>
           <a:p>
             <a:pPr lvl="4"/>
@@ -1688,6 +1661,7 @@
               <a:rPr lang="en-US" smtClean="0"/>
               <a:t>Click to edit Master text styles</a:t>
             </a:r>
+            <a:endParaRPr lang="en-US" smtClean="0"/>
           </a:p>
           <a:p>
             <a:pPr lvl="1"/>
@@ -1695,6 +1669,7 @@
               <a:rPr lang="en-US" smtClean="0"/>
               <a:t>Second level</a:t>
             </a:r>
+            <a:endParaRPr lang="en-US" smtClean="0"/>
           </a:p>
           <a:p>
             <a:pPr lvl="2"/>
@@ -1702,6 +1677,7 @@
               <a:rPr lang="en-US" smtClean="0"/>
               <a:t>Third level</a:t>
             </a:r>
+            <a:endParaRPr lang="en-US" smtClean="0"/>
           </a:p>
           <a:p>
             <a:pPr lvl="3"/>
@@ -1709,6 +1685,7 @@
               <a:rPr lang="en-US" smtClean="0"/>
               <a:t>Fourth level</a:t>
             </a:r>
+            <a:endParaRPr lang="en-US" smtClean="0"/>
           </a:p>
           <a:p>
             <a:pPr lvl="4"/>
@@ -1721,11 +1698,6 @@
         </p:txBody>
       </p:sp>
     </p:spTree>
-    <p:extLst>
-      <p:ext uri="{BB962C8B-B14F-4D97-AF65-F5344CB8AC3E}">
-        <p14:creationId xmlns:p14="http://schemas.microsoft.com/office/powerpoint/2010/main" val="2322072957"/>
-      </p:ext>
-    </p:extLst>
   </p:cSld>
   <p:clrMapOvr>
     <a:masterClrMapping/>
@@ -1852,6 +1824,7 @@
               <a:rPr lang="en-US" smtClean="0"/>
               <a:t>Click to edit Master text styles</a:t>
             </a:r>
+            <a:endParaRPr lang="en-US" smtClean="0"/>
           </a:p>
         </p:txBody>
       </p:sp>
@@ -1908,6 +1881,7 @@
               <a:rPr lang="en-US" smtClean="0"/>
               <a:t>Click to edit Master text styles</a:t>
             </a:r>
+            <a:endParaRPr lang="en-US" smtClean="0"/>
           </a:p>
           <a:p>
             <a:pPr lvl="1"/>
@@ -1915,6 +1889,7 @@
               <a:rPr lang="en-US" smtClean="0"/>
               <a:t>Second level</a:t>
             </a:r>
+            <a:endParaRPr lang="en-US" smtClean="0"/>
           </a:p>
           <a:p>
             <a:pPr lvl="2"/>
@@ -1922,6 +1897,7 @@
               <a:rPr lang="en-US" smtClean="0"/>
               <a:t>Third level</a:t>
             </a:r>
+            <a:endParaRPr lang="en-US" smtClean="0"/>
           </a:p>
           <a:p>
             <a:pPr lvl="3"/>
@@ -1929,6 +1905,7 @@
               <a:rPr lang="en-US" smtClean="0"/>
               <a:t>Fourth level</a:t>
             </a:r>
+            <a:endParaRPr lang="en-US" smtClean="0"/>
           </a:p>
           <a:p>
             <a:pPr lvl="4"/>
@@ -2002,6 +1979,7 @@
               <a:rPr lang="en-US" smtClean="0"/>
               <a:t>Click to edit Master text styles</a:t>
             </a:r>
+            <a:endParaRPr lang="en-US" smtClean="0"/>
           </a:p>
         </p:txBody>
       </p:sp>
@@ -2058,6 +2036,7 @@
               <a:rPr lang="en-US" smtClean="0"/>
               <a:t>Click to edit Master text styles</a:t>
             </a:r>
+            <a:endParaRPr lang="en-US" smtClean="0"/>
           </a:p>
           <a:p>
             <a:pPr lvl="1"/>
@@ -2065,6 +2044,7 @@
               <a:rPr lang="en-US" smtClean="0"/>
               <a:t>Second level</a:t>
             </a:r>
+            <a:endParaRPr lang="en-US" smtClean="0"/>
           </a:p>
           <a:p>
             <a:pPr lvl="2"/>
@@ -2072,6 +2052,7 @@
               <a:rPr lang="en-US" smtClean="0"/>
               <a:t>Third level</a:t>
             </a:r>
+            <a:endParaRPr lang="en-US" smtClean="0"/>
           </a:p>
           <a:p>
             <a:pPr lvl="3"/>
@@ -2079,6 +2060,7 @@
               <a:rPr lang="en-US" smtClean="0"/>
               <a:t>Fourth level</a:t>
             </a:r>
+            <a:endParaRPr lang="en-US" smtClean="0"/>
           </a:p>
           <a:p>
             <a:pPr lvl="4"/>
@@ -2091,11 +2073,6 @@
         </p:txBody>
       </p:sp>
     </p:spTree>
-    <p:extLst>
-      <p:ext uri="{BB962C8B-B14F-4D97-AF65-F5344CB8AC3E}">
-        <p14:creationId xmlns:p14="http://schemas.microsoft.com/office/powerpoint/2010/main" val="2246772680"/>
-      </p:ext>
-    </p:extLst>
   </p:cSld>
   <p:clrMapOvr>
     <a:masterClrMapping/>
@@ -2152,11 +2129,6 @@
         </p:txBody>
       </p:sp>
     </p:spTree>
-    <p:extLst>
-      <p:ext uri="{BB962C8B-B14F-4D97-AF65-F5344CB8AC3E}">
-        <p14:creationId xmlns:p14="http://schemas.microsoft.com/office/powerpoint/2010/main" val="2449734782"/>
-      </p:ext>
-    </p:extLst>
   </p:cSld>
   <p:clrMapOvr>
     <a:masterClrMapping/>
@@ -2190,11 +2162,6 @@
         </a:xfrm>
       </p:grpSpPr>
     </p:spTree>
-    <p:extLst>
-      <p:ext uri="{BB962C8B-B14F-4D97-AF65-F5344CB8AC3E}">
-        <p14:creationId xmlns:p14="http://schemas.microsoft.com/office/powerpoint/2010/main" val="1338825701"/>
-      </p:ext>
-    </p:extLst>
   </p:cSld>
   <p:clrMapOvr>
     <a:masterClrMapping/>
@@ -2313,6 +2280,7 @@
               <a:rPr lang="en-US" smtClean="0"/>
               <a:t>Click to edit Master text styles</a:t>
             </a:r>
+            <a:endParaRPr lang="en-US" smtClean="0"/>
           </a:p>
           <a:p>
             <a:pPr lvl="1"/>
@@ -2320,6 +2288,7 @@
               <a:rPr lang="en-US" smtClean="0"/>
               <a:t>Second level</a:t>
             </a:r>
+            <a:endParaRPr lang="en-US" smtClean="0"/>
           </a:p>
           <a:p>
             <a:pPr lvl="2"/>
@@ -2327,6 +2296,7 @@
               <a:rPr lang="en-US" smtClean="0"/>
               <a:t>Third level</a:t>
             </a:r>
+            <a:endParaRPr lang="en-US" smtClean="0"/>
           </a:p>
           <a:p>
             <a:pPr lvl="3"/>
@@ -2334,6 +2304,7 @@
               <a:rPr lang="en-US" smtClean="0"/>
               <a:t>Fourth level</a:t>
             </a:r>
+            <a:endParaRPr lang="en-US" smtClean="0"/>
           </a:p>
           <a:p>
             <a:pPr lvl="4"/>
@@ -2407,15 +2378,11 @@
               <a:rPr lang="en-US" smtClean="0"/>
               <a:t>Click to edit Master text styles</a:t>
             </a:r>
+            <a:endParaRPr lang="en-US" smtClean="0"/>
           </a:p>
         </p:txBody>
       </p:sp>
     </p:spTree>
-    <p:extLst>
-      <p:ext uri="{BB962C8B-B14F-4D97-AF65-F5344CB8AC3E}">
-        <p14:creationId xmlns:p14="http://schemas.microsoft.com/office/powerpoint/2010/main" val="3883999168"/>
-      </p:ext>
-    </p:extLst>
   </p:cSld>
   <p:clrMapOvr>
     <a:masterClrMapping/>
@@ -2603,15 +2570,11 @@
               <a:rPr lang="en-US" smtClean="0"/>
               <a:t>Click to edit Master text styles</a:t>
             </a:r>
+            <a:endParaRPr lang="en-US" smtClean="0"/>
           </a:p>
         </p:txBody>
       </p:sp>
     </p:spTree>
-    <p:extLst>
-      <p:ext uri="{BB962C8B-B14F-4D97-AF65-F5344CB8AC3E}">
-        <p14:creationId xmlns:p14="http://schemas.microsoft.com/office/powerpoint/2010/main" val="907393095"/>
-      </p:ext>
-    </p:extLst>
   </p:cSld>
   <p:clrMapOvr>
     <a:masterClrMapping/>
@@ -2659,9 +2622,8 @@
           <p:nvPr/>
         </p:nvPicPr>
         <p:blipFill>
-          <a:blip r:embed="rId13">
+          <a:blip r:embed="rId12">
             <a:lum/>
-            <a:alphaModFix/>
           </a:blip>
           <a:srcRect/>
           <a:stretch>
@@ -2691,9 +2653,8 @@
           <p:nvPr/>
         </p:nvPicPr>
         <p:blipFill>
-          <a:blip r:embed="rId13">
+          <a:blip r:embed="rId12">
             <a:lum/>
-            <a:alphaModFix/>
           </a:blip>
           <a:srcRect/>
           <a:stretch>
@@ -2723,9 +2684,8 @@
           <p:nvPr/>
         </p:nvPicPr>
         <p:blipFill>
-          <a:blip r:embed="rId14">
+          <a:blip r:embed="rId13">
             <a:lum/>
-            <a:alphaModFix/>
           </a:blip>
           <a:srcRect/>
           <a:stretch>
@@ -2765,7 +2725,7 @@
             </a:gdLst>
             <a:ahLst/>
             <a:cxnLst>
-              <a:cxn ang="3cd4">
+              <a:cxn ang="3">
                 <a:pos x="hc" y="t"/>
               </a:cxn>
               <a:cxn ang="0">
@@ -2821,7 +2781,6 @@
                 <a:spcPts val="0"/>
               </a:spcAft>
               <a:buNone/>
-              <a:tabLst/>
             </a:pPr>
             <a:r>
               <a:rPr lang="tr-TR" sz="5580" b="0" i="0" u="none" strike="noStrike" kern="1200" spc="0">
@@ -2832,11 +2791,22 @@
                   <a:srgbClr val="808080"/>
                 </a:solidFill>
                 <a:latin typeface="Calibri" pitchFamily="18"/>
-                <a:ea typeface="Arial" pitchFamily="2"/>
-                <a:cs typeface="Arial" pitchFamily="2"/>
+                <a:ea typeface="Arial" panose="020B0604020202020204" pitchFamily="2"/>
+                <a:cs typeface="Arial" panose="020B0604020202020204" pitchFamily="2"/>
               </a:rPr>
               <a:t>Template ID: neonboxes  Size: 36x42</a:t>
             </a:r>
+            <a:endParaRPr lang="tr-TR" sz="5580" b="0" i="0" u="none" strike="noStrike" kern="1200" spc="0">
+              <a:ln>
+                <a:noFill/>
+              </a:ln>
+              <a:solidFill>
+                <a:srgbClr val="808080"/>
+              </a:solidFill>
+              <a:latin typeface="Calibri" pitchFamily="18"/>
+              <a:ea typeface="Arial" panose="020B0604020202020204" pitchFamily="2"/>
+              <a:cs typeface="Arial" panose="020B0604020202020204" pitchFamily="2"/>
+            </a:endParaRPr>
           </a:p>
         </p:txBody>
       </p:sp>
@@ -2866,12 +2836,12 @@
         <p:txBody>
           <a:bodyPr wrap="square" lIns="90000" tIns="45000" rIns="90000" bIns="45000" anchor="t"/>
           <a:lstStyle>
-            <a:defPPr marL="432000" lvl="0" indent="-324000" algn="l" hangingPunct="1">
+            <a:defPPr marL="431800" lvl="0" indent="-323850" algn="l" hangingPunct="1">
               <a:spcBef>
                 <a:spcPts val="0"/>
               </a:spcBef>
               <a:spcAft>
-                <a:spcPts val="1417"/>
+                <a:spcPts val="1415"/>
               </a:spcAft>
               <a:buSzPct val="45000"/>
               <a:buFont typeface="StarSymbol"/>
@@ -2883,17 +2853,17 @@
                 <a:solidFill>
                   <a:srgbClr val="000000"/>
                 </a:solidFill>
-                <a:latin typeface="Calibri"/>
-                <a:ea typeface="Arial"/>
-                <a:cs typeface="Arial"/>
+                <a:latin typeface="Calibri" pitchFamily="18"/>
+                <a:ea typeface="Arial" panose="020B0604020202020204" pitchFamily="2"/>
+                <a:cs typeface="Arial" panose="020B0604020202020204" pitchFamily="2"/>
               </a:defRPr>
             </a:defPPr>
-            <a:lvl1pPr marL="432000" lvl="0" indent="-324000" algn="l" hangingPunct="1">
+            <a:lvl1pPr marL="431800" lvl="0" indent="-323850" algn="l" hangingPunct="1">
               <a:spcBef>
                 <a:spcPts val="0"/>
               </a:spcBef>
               <a:spcAft>
-                <a:spcPts val="1417"/>
+                <a:spcPts val="1415"/>
               </a:spcAft>
               <a:buSzPct val="45000"/>
               <a:buFont typeface="StarSymbol"/>
@@ -2905,17 +2875,17 @@
                 <a:solidFill>
                   <a:srgbClr val="000000"/>
                 </a:solidFill>
-                <a:latin typeface="Calibri"/>
-                <a:ea typeface="Arial"/>
-                <a:cs typeface="Arial"/>
+                <a:latin typeface="Calibri" pitchFamily="18"/>
+                <a:ea typeface="Arial" panose="020B0604020202020204" pitchFamily="2"/>
+                <a:cs typeface="Arial" panose="020B0604020202020204" pitchFamily="2"/>
               </a:defRPr>
             </a:lvl1pPr>
-            <a:lvl2pPr marL="864000" lvl="1" indent="-324000" algn="l" hangingPunct="1">
+            <a:lvl2pPr marL="864235" lvl="1" indent="-323850" algn="l" hangingPunct="1">
               <a:spcBef>
                 <a:spcPts val="0"/>
               </a:spcBef>
               <a:spcAft>
-                <a:spcPts val="1134"/>
+                <a:spcPts val="1135"/>
               </a:spcAft>
               <a:buSzPct val="45000"/>
               <a:buFont typeface="StarSymbol"/>
@@ -2927,12 +2897,12 @@
                 <a:solidFill>
                   <a:srgbClr val="000000"/>
                 </a:solidFill>
-                <a:latin typeface="Calibri"/>
-                <a:ea typeface="Arial"/>
-                <a:cs typeface="Arial"/>
+                <a:latin typeface="Calibri" pitchFamily="18"/>
+                <a:ea typeface="Arial" panose="020B0604020202020204" pitchFamily="2"/>
+                <a:cs typeface="Arial" panose="020B0604020202020204" pitchFamily="2"/>
               </a:defRPr>
             </a:lvl2pPr>
-            <a:lvl3pPr marL="1295999" lvl="2" indent="-288000" algn="l" hangingPunct="1">
+            <a:lvl3pPr marL="1296035" lvl="2" indent="-288290" algn="l" hangingPunct="1">
               <a:spcBef>
                 <a:spcPts val="0"/>
               </a:spcBef>
@@ -2949,17 +2919,17 @@
                 <a:solidFill>
                   <a:srgbClr val="000000"/>
                 </a:solidFill>
-                <a:latin typeface="Calibri"/>
-                <a:ea typeface="Arial"/>
-                <a:cs typeface="Arial"/>
+                <a:latin typeface="Calibri" pitchFamily="18"/>
+                <a:ea typeface="Arial" panose="020B0604020202020204" pitchFamily="2"/>
+                <a:cs typeface="Arial" panose="020B0604020202020204" pitchFamily="2"/>
               </a:defRPr>
             </a:lvl3pPr>
-            <a:lvl4pPr marL="1728000" lvl="3" indent="-216000" algn="l" hangingPunct="1">
+            <a:lvl4pPr marL="1727835" lvl="3" indent="-215900" algn="l" hangingPunct="1">
               <a:spcBef>
                 <a:spcPts val="0"/>
               </a:spcBef>
               <a:spcAft>
-                <a:spcPts val="567"/>
+                <a:spcPts val="565"/>
               </a:spcAft>
               <a:buSzPct val="45000"/>
               <a:buFont typeface="StarSymbol"/>
@@ -2971,17 +2941,17 @@
                 <a:solidFill>
                   <a:srgbClr val="000000"/>
                 </a:solidFill>
-                <a:latin typeface="Calibri"/>
-                <a:ea typeface="Arial"/>
-                <a:cs typeface="Arial"/>
+                <a:latin typeface="Calibri" pitchFamily="18"/>
+                <a:ea typeface="Arial" panose="020B0604020202020204" pitchFamily="2"/>
+                <a:cs typeface="Arial" panose="020B0604020202020204" pitchFamily="2"/>
               </a:defRPr>
             </a:lvl4pPr>
-            <a:lvl5pPr marL="2160000" lvl="4" indent="-216000" algn="l" hangingPunct="1">
+            <a:lvl5pPr marL="2160270" lvl="4" indent="-215900" algn="l" hangingPunct="1">
               <a:spcBef>
                 <a:spcPts val="0"/>
               </a:spcBef>
               <a:spcAft>
-                <a:spcPts val="283"/>
+                <a:spcPts val="285"/>
               </a:spcAft>
               <a:buSzPct val="75000"/>
               <a:buFont typeface="StarSymbol"/>
@@ -2993,17 +2963,17 @@
                 <a:solidFill>
                   <a:srgbClr val="000000"/>
                 </a:solidFill>
-                <a:latin typeface="Calibri"/>
-                <a:ea typeface="Arial"/>
-                <a:cs typeface="Arial"/>
+                <a:latin typeface="Calibri" pitchFamily="18"/>
+                <a:ea typeface="Arial" panose="020B0604020202020204" pitchFamily="2"/>
+                <a:cs typeface="Arial" panose="020B0604020202020204" pitchFamily="2"/>
               </a:defRPr>
             </a:lvl5pPr>
-            <a:lvl6pPr marL="2592000" lvl="5" indent="-216000" algn="l" hangingPunct="1">
+            <a:lvl6pPr marL="2592070" lvl="5" indent="-215900" algn="l" hangingPunct="1">
               <a:spcBef>
                 <a:spcPts val="0"/>
               </a:spcBef>
               <a:spcAft>
-                <a:spcPts val="283"/>
+                <a:spcPts val="285"/>
               </a:spcAft>
               <a:buSzPct val="45000"/>
               <a:buFont typeface="StarSymbol"/>
@@ -3015,17 +2985,17 @@
                 <a:solidFill>
                   <a:srgbClr val="000000"/>
                 </a:solidFill>
-                <a:latin typeface="Calibri"/>
-                <a:ea typeface="Arial"/>
-                <a:cs typeface="Arial"/>
+                <a:latin typeface="Calibri" pitchFamily="18"/>
+                <a:ea typeface="Arial" panose="020B0604020202020204" pitchFamily="2"/>
+                <a:cs typeface="Arial" panose="020B0604020202020204" pitchFamily="2"/>
               </a:defRPr>
             </a:lvl6pPr>
-            <a:lvl7pPr marL="3024000" lvl="6" indent="-216000" algn="l" hangingPunct="1">
+            <a:lvl7pPr marL="3023870" lvl="6" indent="-215900" algn="l" hangingPunct="1">
               <a:spcBef>
                 <a:spcPts val="0"/>
               </a:spcBef>
               <a:spcAft>
-                <a:spcPts val="283"/>
+                <a:spcPts val="285"/>
               </a:spcAft>
               <a:buSzPct val="45000"/>
               <a:buFont typeface="StarSymbol"/>
@@ -3037,17 +3007,17 @@
                 <a:solidFill>
                   <a:srgbClr val="000000"/>
                 </a:solidFill>
-                <a:latin typeface="Calibri"/>
-                <a:ea typeface="Arial"/>
-                <a:cs typeface="Arial"/>
+                <a:latin typeface="Calibri" pitchFamily="18"/>
+                <a:ea typeface="Arial" panose="020B0604020202020204" pitchFamily="2"/>
+                <a:cs typeface="Arial" panose="020B0604020202020204" pitchFamily="2"/>
               </a:defRPr>
             </a:lvl7pPr>
-            <a:lvl8pPr marL="3456000" lvl="7" indent="-216000" algn="l" hangingPunct="1">
+            <a:lvl8pPr marL="3456305" lvl="7" indent="-215900" algn="l" hangingPunct="1">
               <a:spcBef>
                 <a:spcPts val="0"/>
               </a:spcBef>
               <a:spcAft>
-                <a:spcPts val="283"/>
+                <a:spcPts val="285"/>
               </a:spcAft>
               <a:buSzPct val="45000"/>
               <a:buFont typeface="StarSymbol"/>
@@ -3059,17 +3029,17 @@
                 <a:solidFill>
                   <a:srgbClr val="000000"/>
                 </a:solidFill>
-                <a:latin typeface="Calibri"/>
-                <a:ea typeface="Arial"/>
-                <a:cs typeface="Arial"/>
+                <a:latin typeface="Calibri" pitchFamily="18"/>
+                <a:ea typeface="Arial" panose="020B0604020202020204" pitchFamily="2"/>
+                <a:cs typeface="Arial" panose="020B0604020202020204" pitchFamily="2"/>
               </a:defRPr>
             </a:lvl8pPr>
-            <a:lvl9pPr marL="3887999" lvl="8" indent="-216000" algn="l" hangingPunct="1">
+            <a:lvl9pPr marL="3888105" lvl="8" indent="-215900" algn="l" hangingPunct="1">
               <a:spcBef>
                 <a:spcPts val="0"/>
               </a:spcBef>
               <a:spcAft>
-                <a:spcPts val="283"/>
+                <a:spcPts val="285"/>
               </a:spcAft>
               <a:buSzPct val="45000"/>
               <a:buFont typeface="StarSymbol"/>
@@ -3081,9 +3051,9 @@
                 <a:solidFill>
                   <a:srgbClr val="000000"/>
                 </a:solidFill>
-                <a:latin typeface="Calibri"/>
-                <a:ea typeface="Arial"/>
-                <a:cs typeface="Arial"/>
+                <a:latin typeface="Calibri" pitchFamily="18"/>
+                <a:ea typeface="Arial" panose="020B0604020202020204" pitchFamily="2"/>
+                <a:cs typeface="Arial" panose="020B0604020202020204" pitchFamily="2"/>
               </a:defRPr>
             </a:lvl9pPr>
           </a:lstStyle>
@@ -3093,6 +3063,7 @@
               <a:rPr lang="tr-TR"/>
               <a:t>Anahat metninin biçimini düzenlemek için tıklayın</a:t>
             </a:r>
+            <a:endParaRPr lang="tr-TR"/>
           </a:p>
           <a:p>
             <a:pPr lvl="1"/>
@@ -3100,6 +3071,7 @@
               <a:rPr lang="tr-TR"/>
               <a:t>İkinci Anahat Düzeyi</a:t>
             </a:r>
+            <a:endParaRPr lang="tr-TR"/>
           </a:p>
           <a:p>
             <a:pPr lvl="2"/>
@@ -3107,6 +3079,7 @@
               <a:rPr lang="tr-TR"/>
               <a:t>Üçüncü Anahat Düzeyi</a:t>
             </a:r>
+            <a:endParaRPr lang="tr-TR"/>
           </a:p>
           <a:p>
             <a:pPr lvl="3"/>
@@ -3114,6 +3087,7 @@
               <a:rPr lang="tr-TR"/>
               <a:t>Dördüncü Anahat Düzeyi</a:t>
             </a:r>
+            <a:endParaRPr lang="tr-TR"/>
           </a:p>
           <a:p>
             <a:pPr lvl="4"/>
@@ -3121,6 +3095,7 @@
               <a:rPr lang="tr-TR"/>
               <a:t>Beşinci Anahat Düzeyi</a:t>
             </a:r>
+            <a:endParaRPr lang="tr-TR"/>
           </a:p>
           <a:p>
             <a:pPr lvl="5"/>
@@ -3128,6 +3103,7 @@
               <a:rPr lang="tr-TR"/>
               <a:t>Altıncı Anahat Düzeyi</a:t>
             </a:r>
+            <a:endParaRPr lang="tr-TR"/>
           </a:p>
           <a:p>
             <a:pPr lvl="6"/>
@@ -3135,6 +3111,7 @@
               <a:rPr lang="tr-TR"/>
               <a:t>Yedinci Anahat Düzeyi</a:t>
             </a:r>
+            <a:endParaRPr lang="tr-TR"/>
           </a:p>
           <a:p>
             <a:pPr lvl="7"/>
@@ -3142,6 +3119,7 @@
               <a:rPr lang="tr-TR"/>
               <a:t>Sekizinci Anahat Düzeyi</a:t>
             </a:r>
+            <a:endParaRPr lang="tr-TR"/>
           </a:p>
           <a:p>
             <a:pPr lvl="0"/>
@@ -3156,6 +3134,7 @@
               <a:rPr lang="tr-TR"/>
               <a:t>Your poster title would go on these lines</a:t>
             </a:r>
+            <a:endParaRPr lang="tr-TR"/>
           </a:p>
         </p:txBody>
       </p:sp>
@@ -3185,12 +3164,12 @@
         <p:txBody>
           <a:bodyPr wrap="square" lIns="90000" tIns="45000" rIns="90000" bIns="45000" anchor="t"/>
           <a:lstStyle>
-            <a:defPPr marL="432000" lvl="0" indent="-324000" algn="l" hangingPunct="1">
+            <a:defPPr marL="431800" lvl="0" indent="-323850" algn="l" hangingPunct="1">
               <a:spcBef>
                 <a:spcPts val="0"/>
               </a:spcBef>
               <a:spcAft>
-                <a:spcPts val="1417"/>
+                <a:spcPts val="1415"/>
               </a:spcAft>
               <a:buSzPct val="45000"/>
               <a:buFont typeface="StarSymbol"/>
@@ -3202,17 +3181,17 @@
                 <a:solidFill>
                   <a:srgbClr val="000000"/>
                 </a:solidFill>
-                <a:latin typeface="Calibri"/>
-                <a:ea typeface="Arial"/>
-                <a:cs typeface="Arial"/>
+                <a:latin typeface="Calibri" pitchFamily="18"/>
+                <a:ea typeface="Arial" panose="020B0604020202020204" pitchFamily="2"/>
+                <a:cs typeface="Arial" panose="020B0604020202020204" pitchFamily="2"/>
               </a:defRPr>
             </a:defPPr>
-            <a:lvl1pPr marL="432000" lvl="0" indent="-324000" algn="l" hangingPunct="1">
+            <a:lvl1pPr marL="431800" lvl="0" indent="-323850" algn="l" hangingPunct="1">
               <a:spcBef>
                 <a:spcPts val="0"/>
               </a:spcBef>
               <a:spcAft>
-                <a:spcPts val="1417"/>
+                <a:spcPts val="1415"/>
               </a:spcAft>
               <a:buSzPct val="45000"/>
               <a:buFont typeface="StarSymbol"/>
@@ -3224,17 +3203,17 @@
                 <a:solidFill>
                   <a:srgbClr val="000000"/>
                 </a:solidFill>
-                <a:latin typeface="Calibri"/>
-                <a:ea typeface="Arial"/>
-                <a:cs typeface="Arial"/>
+                <a:latin typeface="Calibri" pitchFamily="18"/>
+                <a:ea typeface="Arial" panose="020B0604020202020204" pitchFamily="2"/>
+                <a:cs typeface="Arial" panose="020B0604020202020204" pitchFamily="2"/>
               </a:defRPr>
             </a:lvl1pPr>
-            <a:lvl2pPr marL="864000" lvl="1" indent="-324000" algn="l" hangingPunct="1">
+            <a:lvl2pPr marL="864235" lvl="1" indent="-323850" algn="l" hangingPunct="1">
               <a:spcBef>
                 <a:spcPts val="0"/>
               </a:spcBef>
               <a:spcAft>
-                <a:spcPts val="1134"/>
+                <a:spcPts val="1135"/>
               </a:spcAft>
               <a:buSzPct val="45000"/>
               <a:buFont typeface="StarSymbol"/>
@@ -3246,12 +3225,12 @@
                 <a:solidFill>
                   <a:srgbClr val="000000"/>
                 </a:solidFill>
-                <a:latin typeface="Calibri"/>
-                <a:ea typeface="Arial"/>
-                <a:cs typeface="Arial"/>
+                <a:latin typeface="Calibri" pitchFamily="18"/>
+                <a:ea typeface="Arial" panose="020B0604020202020204" pitchFamily="2"/>
+                <a:cs typeface="Arial" panose="020B0604020202020204" pitchFamily="2"/>
               </a:defRPr>
             </a:lvl2pPr>
-            <a:lvl3pPr marL="1295999" lvl="2" indent="-288000" algn="l" hangingPunct="1">
+            <a:lvl3pPr marL="1296035" lvl="2" indent="-288290" algn="l" hangingPunct="1">
               <a:spcBef>
                 <a:spcPts val="0"/>
               </a:spcBef>
@@ -3268,17 +3247,17 @@
                 <a:solidFill>
                   <a:srgbClr val="000000"/>
                 </a:solidFill>
-                <a:latin typeface="Calibri"/>
-                <a:ea typeface="Arial"/>
-                <a:cs typeface="Arial"/>
+                <a:latin typeface="Calibri" pitchFamily="18"/>
+                <a:ea typeface="Arial" panose="020B0604020202020204" pitchFamily="2"/>
+                <a:cs typeface="Arial" panose="020B0604020202020204" pitchFamily="2"/>
               </a:defRPr>
             </a:lvl3pPr>
-            <a:lvl4pPr marL="1728000" lvl="3" indent="-216000" algn="l" hangingPunct="1">
+            <a:lvl4pPr marL="1727835" lvl="3" indent="-215900" algn="l" hangingPunct="1">
               <a:spcBef>
                 <a:spcPts val="0"/>
               </a:spcBef>
               <a:spcAft>
-                <a:spcPts val="567"/>
+                <a:spcPts val="565"/>
               </a:spcAft>
               <a:buSzPct val="45000"/>
               <a:buFont typeface="StarSymbol"/>
@@ -3290,17 +3269,17 @@
                 <a:solidFill>
                   <a:srgbClr val="000000"/>
                 </a:solidFill>
-                <a:latin typeface="Calibri"/>
-                <a:ea typeface="Arial"/>
-                <a:cs typeface="Arial"/>
+                <a:latin typeface="Calibri" pitchFamily="18"/>
+                <a:ea typeface="Arial" panose="020B0604020202020204" pitchFamily="2"/>
+                <a:cs typeface="Arial" panose="020B0604020202020204" pitchFamily="2"/>
               </a:defRPr>
             </a:lvl4pPr>
-            <a:lvl5pPr marL="2160000" lvl="4" indent="-216000" algn="l" hangingPunct="1">
+            <a:lvl5pPr marL="2160270" lvl="4" indent="-215900" algn="l" hangingPunct="1">
               <a:spcBef>
                 <a:spcPts val="0"/>
               </a:spcBef>
               <a:spcAft>
-                <a:spcPts val="283"/>
+                <a:spcPts val="285"/>
               </a:spcAft>
               <a:buSzPct val="75000"/>
               <a:buFont typeface="StarSymbol"/>
@@ -3312,17 +3291,17 @@
                 <a:solidFill>
                   <a:srgbClr val="000000"/>
                 </a:solidFill>
-                <a:latin typeface="Calibri"/>
-                <a:ea typeface="Arial"/>
-                <a:cs typeface="Arial"/>
+                <a:latin typeface="Calibri" pitchFamily="18"/>
+                <a:ea typeface="Arial" panose="020B0604020202020204" pitchFamily="2"/>
+                <a:cs typeface="Arial" panose="020B0604020202020204" pitchFamily="2"/>
               </a:defRPr>
             </a:lvl5pPr>
-            <a:lvl6pPr marL="2592000" lvl="5" indent="-216000" algn="l" hangingPunct="1">
+            <a:lvl6pPr marL="2592070" lvl="5" indent="-215900" algn="l" hangingPunct="1">
               <a:spcBef>
                 <a:spcPts val="0"/>
               </a:spcBef>
               <a:spcAft>
-                <a:spcPts val="283"/>
+                <a:spcPts val="285"/>
               </a:spcAft>
               <a:buSzPct val="45000"/>
               <a:buFont typeface="StarSymbol"/>
@@ -3334,17 +3313,17 @@
                 <a:solidFill>
                   <a:srgbClr val="000000"/>
                 </a:solidFill>
-                <a:latin typeface="Calibri"/>
-                <a:ea typeface="Arial"/>
-                <a:cs typeface="Arial"/>
+                <a:latin typeface="Calibri" pitchFamily="18"/>
+                <a:ea typeface="Arial" panose="020B0604020202020204" pitchFamily="2"/>
+                <a:cs typeface="Arial" panose="020B0604020202020204" pitchFamily="2"/>
               </a:defRPr>
             </a:lvl6pPr>
-            <a:lvl7pPr marL="3024000" lvl="6" indent="-216000" algn="l" hangingPunct="1">
+            <a:lvl7pPr marL="3023870" lvl="6" indent="-215900" algn="l" hangingPunct="1">
               <a:spcBef>
                 <a:spcPts val="0"/>
               </a:spcBef>
               <a:spcAft>
-                <a:spcPts val="283"/>
+                <a:spcPts val="285"/>
               </a:spcAft>
               <a:buSzPct val="45000"/>
               <a:buFont typeface="StarSymbol"/>
@@ -3356,17 +3335,17 @@
                 <a:solidFill>
                   <a:srgbClr val="000000"/>
                 </a:solidFill>
-                <a:latin typeface="Calibri"/>
-                <a:ea typeface="Arial"/>
-                <a:cs typeface="Arial"/>
+                <a:latin typeface="Calibri" pitchFamily="18"/>
+                <a:ea typeface="Arial" panose="020B0604020202020204" pitchFamily="2"/>
+                <a:cs typeface="Arial" panose="020B0604020202020204" pitchFamily="2"/>
               </a:defRPr>
             </a:lvl7pPr>
-            <a:lvl8pPr marL="3456000" lvl="7" indent="-216000" algn="l" hangingPunct="1">
+            <a:lvl8pPr marL="3456305" lvl="7" indent="-215900" algn="l" hangingPunct="1">
               <a:spcBef>
                 <a:spcPts val="0"/>
               </a:spcBef>
               <a:spcAft>
-                <a:spcPts val="283"/>
+                <a:spcPts val="285"/>
               </a:spcAft>
               <a:buSzPct val="45000"/>
               <a:buFont typeface="StarSymbol"/>
@@ -3378,17 +3357,17 @@
                 <a:solidFill>
                   <a:srgbClr val="000000"/>
                 </a:solidFill>
-                <a:latin typeface="Calibri"/>
-                <a:ea typeface="Arial"/>
-                <a:cs typeface="Arial"/>
+                <a:latin typeface="Calibri" pitchFamily="18"/>
+                <a:ea typeface="Arial" panose="020B0604020202020204" pitchFamily="2"/>
+                <a:cs typeface="Arial" panose="020B0604020202020204" pitchFamily="2"/>
               </a:defRPr>
             </a:lvl8pPr>
-            <a:lvl9pPr marL="3887999" lvl="8" indent="-216000" algn="l" hangingPunct="1">
+            <a:lvl9pPr marL="3888105" lvl="8" indent="-215900" algn="l" hangingPunct="1">
               <a:spcBef>
                 <a:spcPts val="0"/>
               </a:spcBef>
               <a:spcAft>
-                <a:spcPts val="283"/>
+                <a:spcPts val="285"/>
               </a:spcAft>
               <a:buSzPct val="45000"/>
               <a:buFont typeface="StarSymbol"/>
@@ -3400,9 +3379,9 @@
                 <a:solidFill>
                   <a:srgbClr val="000000"/>
                 </a:solidFill>
-                <a:latin typeface="Calibri"/>
-                <a:ea typeface="Arial"/>
-                <a:cs typeface="Arial"/>
+                <a:latin typeface="Calibri" pitchFamily="18"/>
+                <a:ea typeface="Arial" panose="020B0604020202020204" pitchFamily="2"/>
+                <a:cs typeface="Arial" panose="020B0604020202020204" pitchFamily="2"/>
               </a:defRPr>
             </a:lvl9pPr>
           </a:lstStyle>
@@ -3412,6 +3391,7 @@
               <a:rPr lang="tr-TR"/>
               <a:t>Anahat metninin biçimini düzenlemek için tıklayın</a:t>
             </a:r>
+            <a:endParaRPr lang="tr-TR"/>
           </a:p>
           <a:p>
             <a:pPr lvl="1"/>
@@ -3419,6 +3399,7 @@
               <a:rPr lang="tr-TR"/>
               <a:t>İkinci Anahat Düzeyi</a:t>
             </a:r>
+            <a:endParaRPr lang="tr-TR"/>
           </a:p>
           <a:p>
             <a:pPr lvl="2"/>
@@ -3426,6 +3407,7 @@
               <a:rPr lang="tr-TR"/>
               <a:t>Üçüncü Anahat Düzeyi</a:t>
             </a:r>
+            <a:endParaRPr lang="tr-TR"/>
           </a:p>
           <a:p>
             <a:pPr lvl="3"/>
@@ -3433,6 +3415,7 @@
               <a:rPr lang="tr-TR"/>
               <a:t>Dördüncü Anahat Düzeyi</a:t>
             </a:r>
+            <a:endParaRPr lang="tr-TR"/>
           </a:p>
           <a:p>
             <a:pPr lvl="4"/>
@@ -3440,6 +3423,7 @@
               <a:rPr lang="tr-TR"/>
               <a:t>Beşinci Anahat Düzeyi</a:t>
             </a:r>
+            <a:endParaRPr lang="tr-TR"/>
           </a:p>
           <a:p>
             <a:pPr lvl="5"/>
@@ -3447,6 +3431,7 @@
               <a:rPr lang="tr-TR"/>
               <a:t>Altıncı Anahat Düzeyi</a:t>
             </a:r>
+            <a:endParaRPr lang="tr-TR"/>
           </a:p>
           <a:p>
             <a:pPr lvl="6"/>
@@ -3454,6 +3439,7 @@
               <a:rPr lang="tr-TR"/>
               <a:t>Yedinci Anahat Düzeyi</a:t>
             </a:r>
+            <a:endParaRPr lang="tr-TR"/>
           </a:p>
           <a:p>
             <a:pPr lvl="7"/>
@@ -3461,6 +3447,7 @@
               <a:rPr lang="tr-TR"/>
               <a:t>Sekizinci Anahat Düzeyi</a:t>
             </a:r>
+            <a:endParaRPr lang="tr-TR"/>
           </a:p>
           <a:p>
             <a:pPr lvl="0"/>
@@ -3475,6 +3462,7 @@
               <a:rPr lang="tr-TR"/>
               <a:t>1Name of University, City, State; 2Name of University, City, State; 3Name of University, City, State; 4Name of University, City, State;</a:t>
             </a:r>
+            <a:endParaRPr lang="tr-TR"/>
           </a:p>
         </p:txBody>
       </p:sp>
@@ -3587,7 +3575,6 @@
   <p:txStyles>
     <p:titleStyle>
       <a:lvl1pPr algn="l" rtl="0" hangingPunct="1">
-        <a:tabLst/>
         <a:defRPr lang="en-US" sz="8700" b="0" i="0" u="none" strike="noStrike" kern="1200" spc="0">
           <a:ln>
             <a:noFill/>
@@ -3596,7 +3583,7 @@
             <a:srgbClr val="000000"/>
           </a:solidFill>
           <a:latin typeface="Calibri" pitchFamily="18"/>
-          <a:cs typeface="Arial" pitchFamily="2"/>
+          <a:cs typeface="Arial" panose="020B0604020202020204" pitchFamily="2"/>
         </a:defRPr>
       </a:lvl1pPr>
     </p:titleStyle>
@@ -3605,130 +3592,121 @@
         <a:buSzPct val="45000"/>
         <a:buFont typeface="StarSymbol"/>
         <a:buChar char="●"/>
-        <a:tabLst/>
         <a:defRPr lang="tr-TR" sz="4500" b="0" i="0" u="none" strike="noStrike" spc="0">
           <a:solidFill>
             <a:srgbClr val="FFFFFF"/>
           </a:solidFill>
           <a:latin typeface="Calibri" pitchFamily="18"/>
-          <a:ea typeface="Arial" pitchFamily="2"/>
-          <a:cs typeface="Arial" pitchFamily="34"/>
+          <a:ea typeface="Arial" panose="020B0604020202020204" pitchFamily="2"/>
+          <a:cs typeface="Arial" panose="020B0604020202020204" pitchFamily="2"/>
         </a:defRPr>
       </a:lvl1pPr>
       <a:lvl2pPr lvl="1" rtl="0">
         <a:buSzPct val="45000"/>
         <a:buFont typeface="StarSymbol"/>
         <a:buChar char="●"/>
-        <a:tabLst/>
         <a:defRPr lang="tr-TR" sz="4500" b="0" i="0" u="none" strike="noStrike" spc="0">
           <a:solidFill>
             <a:srgbClr val="FFFFFF"/>
           </a:solidFill>
           <a:latin typeface="Calibri" pitchFamily="18"/>
-          <a:ea typeface="Arial" pitchFamily="2"/>
-          <a:cs typeface="Arial" pitchFamily="34"/>
+          <a:ea typeface="Arial" panose="020B0604020202020204" pitchFamily="2"/>
+          <a:cs typeface="Arial" panose="020B0604020202020204" pitchFamily="2"/>
         </a:defRPr>
       </a:lvl2pPr>
       <a:lvl3pPr lvl="2" rtl="0">
         <a:buSzPct val="75000"/>
         <a:buFont typeface="StarSymbol"/>
         <a:buChar char="–"/>
-        <a:tabLst/>
         <a:defRPr lang="tr-TR" sz="4500" b="0" i="0" u="none" strike="noStrike" spc="0">
           <a:solidFill>
             <a:srgbClr val="FFFFFF"/>
           </a:solidFill>
           <a:latin typeface="Calibri" pitchFamily="18"/>
-          <a:ea typeface="Arial" pitchFamily="2"/>
-          <a:cs typeface="Arial" pitchFamily="34"/>
+          <a:ea typeface="Arial" panose="020B0604020202020204" pitchFamily="2"/>
+          <a:cs typeface="Arial" panose="020B0604020202020204" pitchFamily="2"/>
         </a:defRPr>
       </a:lvl3pPr>
       <a:lvl4pPr lvl="3" rtl="0">
         <a:buSzPct val="45000"/>
         <a:buFont typeface="StarSymbol"/>
         <a:buChar char="●"/>
-        <a:tabLst/>
         <a:defRPr lang="tr-TR" sz="4500" b="0" i="0" u="none" strike="noStrike" spc="0">
           <a:solidFill>
             <a:srgbClr val="FFFFFF"/>
           </a:solidFill>
           <a:latin typeface="Calibri" pitchFamily="18"/>
-          <a:ea typeface="Arial" pitchFamily="2"/>
-          <a:cs typeface="Arial" pitchFamily="34"/>
+          <a:ea typeface="Arial" panose="020B0604020202020204" pitchFamily="2"/>
+          <a:cs typeface="Arial" panose="020B0604020202020204" pitchFamily="2"/>
         </a:defRPr>
       </a:lvl4pPr>
       <a:lvl5pPr lvl="4" rtl="0">
         <a:buSzPct val="75000"/>
         <a:buFont typeface="StarSymbol"/>
         <a:buChar char="–"/>
-        <a:tabLst/>
         <a:defRPr lang="tr-TR" sz="4500" b="0" i="0" u="none" strike="noStrike" spc="0">
           <a:solidFill>
             <a:srgbClr val="FFFFFF"/>
           </a:solidFill>
           <a:latin typeface="Calibri" pitchFamily="18"/>
-          <a:ea typeface="Arial" pitchFamily="2"/>
-          <a:cs typeface="Arial" pitchFamily="34"/>
+          <a:ea typeface="Arial" panose="020B0604020202020204" pitchFamily="2"/>
+          <a:cs typeface="Arial" panose="020B0604020202020204" pitchFamily="2"/>
         </a:defRPr>
       </a:lvl5pPr>
       <a:lvl6pPr lvl="5" rtl="0">
         <a:buSzPct val="45000"/>
         <a:buFont typeface="StarSymbol"/>
         <a:buChar char="●"/>
-        <a:tabLst/>
         <a:defRPr lang="tr-TR" sz="4500" b="0" i="0" u="none" strike="noStrike" spc="0">
           <a:solidFill>
             <a:srgbClr val="FFFFFF"/>
           </a:solidFill>
           <a:latin typeface="Calibri" pitchFamily="18"/>
-          <a:ea typeface="Arial" pitchFamily="2"/>
-          <a:cs typeface="Arial" pitchFamily="34"/>
+          <a:ea typeface="Arial" panose="020B0604020202020204" pitchFamily="2"/>
+          <a:cs typeface="Arial" panose="020B0604020202020204" pitchFamily="2"/>
         </a:defRPr>
       </a:lvl6pPr>
       <a:lvl7pPr lvl="6" rtl="0">
         <a:buSzPct val="45000"/>
         <a:buFont typeface="StarSymbol"/>
         <a:buChar char="●"/>
-        <a:tabLst/>
         <a:defRPr lang="tr-TR" sz="4500" b="0" i="0" u="none" strike="noStrike" spc="0">
           <a:solidFill>
             <a:srgbClr val="FFFFFF"/>
           </a:solidFill>
           <a:latin typeface="Calibri" pitchFamily="18"/>
-          <a:ea typeface="Arial" pitchFamily="2"/>
-          <a:cs typeface="Arial" pitchFamily="34"/>
+          <a:ea typeface="Arial" panose="020B0604020202020204" pitchFamily="2"/>
+          <a:cs typeface="Arial" panose="020B0604020202020204" pitchFamily="2"/>
         </a:defRPr>
       </a:lvl7pPr>
       <a:lvl8pPr lvl="7" rtl="0">
         <a:buSzPct val="45000"/>
         <a:buFont typeface="StarSymbol"/>
         <a:buChar char="●"/>
-        <a:tabLst/>
         <a:defRPr lang="tr-TR" sz="4500" b="0" i="0" u="none" strike="noStrike" spc="0">
           <a:solidFill>
             <a:srgbClr val="FFFFFF"/>
           </a:solidFill>
           <a:latin typeface="Calibri" pitchFamily="18"/>
-          <a:ea typeface="Arial" pitchFamily="2"/>
-          <a:cs typeface="Arial" pitchFamily="34"/>
+          <a:ea typeface="Arial" panose="020B0604020202020204" pitchFamily="2"/>
+          <a:cs typeface="Arial" panose="020B0604020202020204" pitchFamily="2"/>
         </a:defRPr>
       </a:lvl8pPr>
       <a:lvl9pPr marL="0" marR="0" lvl="0" indent="0" algn="ctr" rtl="0" hangingPunct="1">
         <a:spcBef>
-          <a:spcPts val="2679"/>
+          <a:spcPts val="2680"/>
         </a:spcBef>
         <a:spcAft>
-          <a:spcPts val="1417"/>
+          <a:spcPts val="1415"/>
         </a:spcAft>
         <a:buNone/>
-        <a:tabLst/>
         <a:defRPr lang="tr-TR" sz="4500" b="0" i="0" u="none" strike="noStrike" spc="0">
           <a:solidFill>
             <a:srgbClr val="FFFFFF"/>
           </a:solidFill>
           <a:latin typeface="Calibri" pitchFamily="18"/>
-          <a:ea typeface="Arial" pitchFamily="2"/>
-          <a:cs typeface="Arial" pitchFamily="34"/>
+          <a:ea typeface="Arial" panose="020B0604020202020204" pitchFamily="2"/>
+          <a:cs typeface="Arial" panose="020B0604020202020204" pitchFamily="2"/>
         </a:defRPr>
       </a:lvl9pPr>
     </p:bodyStyle>
@@ -3739,7 +3717,7 @@
 
 <file path=ppt/slides/slide1.xml><?xml version="1.0" encoding="utf-8"?>
 <p:sld xmlns:a="http://schemas.openxmlformats.org/drawingml/2006/main" xmlns:r="http://schemas.openxmlformats.org/officeDocument/2006/relationships" xmlns:p="http://schemas.openxmlformats.org/presentationml/2006/main">
-  <p:cSld name="page1">
+  <p:cSld>
     <p:spTree>
       <p:nvGrpSpPr>
         <p:cNvPr id="1" name=""/>
@@ -3787,7 +3765,7 @@
               </a:gdLst>
               <a:ahLst/>
               <a:cxnLst>
-                <a:cxn ang="3cd4">
+                <a:cxn ang="3">
                   <a:pos x="hc" y="t"/>
                 </a:cxn>
                 <a:cxn ang="0">
@@ -3853,13 +3831,12 @@
                   <a:spcPts val="0"/>
                 </a:spcAft>
                 <a:buNone/>
-                <a:tabLst/>
               </a:pPr>
               <a:endParaRPr lang="tr-TR" sz="1800" b="0" i="0" u="none" strike="noStrike" kern="1200">
                 <a:ln>
                   <a:noFill/>
                 </a:ln>
-                <a:latin typeface="Arial" pitchFamily="18"/>
+                <a:latin typeface="Arial" panose="020B0604020202020204" pitchFamily="2"/>
                 <a:ea typeface="Microsoft YaHei" pitchFamily="2"/>
                 <a:cs typeface="Mangal" pitchFamily="2"/>
               </a:endParaRPr>
@@ -3987,7 +3964,7 @@
                 </a:ahXY>
               </a:ahLst>
               <a:cxnLst>
-                <a:cxn ang="3cd4">
+                <a:cxn ang="3">
                   <a:pos x="hc" y="t"/>
                 </a:cxn>
                 <a:cxn ang="0">
@@ -4050,13 +4027,12 @@
                   <a:spcPts val="0"/>
                 </a:spcAft>
                 <a:buNone/>
-                <a:tabLst/>
               </a:pPr>
               <a:endParaRPr lang="tr-TR" sz="1800" b="0" i="0" u="none" strike="noStrike" kern="1200">
                 <a:ln>
                   <a:noFill/>
                 </a:ln>
-                <a:latin typeface="Arial" pitchFamily="18"/>
+                <a:latin typeface="Arial" panose="020B0604020202020204" pitchFamily="2"/>
                 <a:ea typeface="Microsoft YaHei" pitchFamily="2"/>
                 <a:cs typeface="Mangal" pitchFamily="2"/>
               </a:endParaRPr>
@@ -4184,7 +4160,7 @@
                 </a:ahXY>
               </a:ahLst>
               <a:cxnLst>
-                <a:cxn ang="3cd4">
+                <a:cxn ang="3">
                   <a:pos x="hc" y="t"/>
                 </a:cxn>
                 <a:cxn ang="0">
@@ -4249,13 +4225,12 @@
                   <a:spcPts val="0"/>
                 </a:spcAft>
                 <a:buNone/>
-                <a:tabLst/>
               </a:pPr>
               <a:endParaRPr lang="tr-TR" sz="1800" b="0" i="0" u="none" strike="noStrike" kern="1200">
                 <a:ln>
                   <a:noFill/>
                 </a:ln>
-                <a:latin typeface="Arial" pitchFamily="18"/>
+                <a:latin typeface="Arial" panose="020B0604020202020204" pitchFamily="2"/>
                 <a:ea typeface="Microsoft YaHei" pitchFamily="2"/>
                 <a:cs typeface="Mangal" pitchFamily="2"/>
               </a:endParaRPr>
@@ -4383,7 +4358,7 @@
                 </a:ahXY>
               </a:ahLst>
               <a:cxnLst>
-                <a:cxn ang="3cd4">
+                <a:cxn ang="3">
                   <a:pos x="hc" y="t"/>
                 </a:cxn>
                 <a:cxn ang="0">
@@ -4446,13 +4421,12 @@
                   <a:spcPts val="0"/>
                 </a:spcAft>
                 <a:buNone/>
-                <a:tabLst/>
               </a:pPr>
               <a:endParaRPr lang="tr-TR" sz="1800" b="0" i="0" u="none" strike="noStrike" kern="1200">
                 <a:ln>
                   <a:noFill/>
                 </a:ln>
-                <a:latin typeface="Arial" pitchFamily="18"/>
+                <a:latin typeface="Arial" panose="020B0604020202020204" pitchFamily="2"/>
                 <a:ea typeface="Microsoft YaHei" pitchFamily="2"/>
                 <a:cs typeface="Mangal" pitchFamily="2"/>
               </a:endParaRPr>
@@ -4580,7 +4554,7 @@
                 </a:ahXY>
               </a:ahLst>
               <a:cxnLst>
-                <a:cxn ang="3cd4">
+                <a:cxn ang="3">
                   <a:pos x="hc" y="t"/>
                 </a:cxn>
                 <a:cxn ang="0">
@@ -4643,13 +4617,12 @@
                   <a:spcPts val="0"/>
                 </a:spcAft>
                 <a:buNone/>
-                <a:tabLst/>
               </a:pPr>
               <a:endParaRPr lang="tr-TR" sz="1800" b="0" i="0" u="none" strike="noStrike" kern="1200">
                 <a:ln>
                   <a:noFill/>
                 </a:ln>
-                <a:latin typeface="Arial" pitchFamily="18"/>
+                <a:latin typeface="Arial" panose="020B0604020202020204" pitchFamily="2"/>
                 <a:ea typeface="Microsoft YaHei" pitchFamily="2"/>
                 <a:cs typeface="Mangal" pitchFamily="2"/>
               </a:endParaRPr>
@@ -4777,7 +4750,7 @@
                 </a:ahXY>
               </a:ahLst>
               <a:cxnLst>
-                <a:cxn ang="3cd4">
+                <a:cxn ang="3">
                   <a:pos x="hc" y="t"/>
                 </a:cxn>
                 <a:cxn ang="0">
@@ -4840,13 +4813,12 @@
                   <a:spcPts val="0"/>
                 </a:spcAft>
                 <a:buNone/>
-                <a:tabLst/>
               </a:pPr>
               <a:endParaRPr lang="tr-TR" sz="1800" b="0" i="0" u="none" strike="noStrike" kern="1200">
                 <a:ln>
                   <a:noFill/>
                 </a:ln>
-                <a:latin typeface="Arial" pitchFamily="18"/>
+                <a:latin typeface="Arial" panose="020B0604020202020204" pitchFamily="2"/>
                 <a:ea typeface="Microsoft YaHei" pitchFamily="2"/>
                 <a:cs typeface="Mangal" pitchFamily="2"/>
               </a:endParaRPr>
@@ -4974,7 +4946,7 @@
                 </a:ahXY>
               </a:ahLst>
               <a:cxnLst>
-                <a:cxn ang="3cd4">
+                <a:cxn ang="3">
                   <a:pos x="hc" y="t"/>
                 </a:cxn>
                 <a:cxn ang="0">
@@ -5037,13 +5009,12 @@
                   <a:spcPts val="0"/>
                 </a:spcAft>
                 <a:buNone/>
-                <a:tabLst/>
               </a:pPr>
               <a:endParaRPr lang="tr-TR" sz="1800" b="0" i="0" u="none" strike="noStrike" kern="1200">
                 <a:ln>
                   <a:noFill/>
                 </a:ln>
-                <a:latin typeface="Arial" pitchFamily="18"/>
+                <a:latin typeface="Arial" panose="020B0604020202020204" pitchFamily="2"/>
                 <a:ea typeface="Microsoft YaHei" pitchFamily="2"/>
                 <a:cs typeface="Mangal" pitchFamily="2"/>
               </a:endParaRPr>
@@ -5171,7 +5142,7 @@
                 </a:ahXY>
               </a:ahLst>
               <a:cxnLst>
-                <a:cxn ang="3cd4">
+                <a:cxn ang="3">
                   <a:pos x="hc" y="t"/>
                 </a:cxn>
                 <a:cxn ang="0">
@@ -5234,13 +5205,12 @@
                   <a:spcPts val="0"/>
                 </a:spcAft>
                 <a:buNone/>
-                <a:tabLst/>
               </a:pPr>
               <a:endParaRPr lang="tr-TR" sz="1800" b="0" i="0" u="none" strike="noStrike" kern="1200">
                 <a:ln>
                   <a:noFill/>
                 </a:ln>
-                <a:latin typeface="Arial" pitchFamily="18"/>
+                <a:latin typeface="Arial" panose="020B0604020202020204" pitchFamily="2"/>
                 <a:ea typeface="Microsoft YaHei" pitchFamily="2"/>
                 <a:cs typeface="Mangal" pitchFamily="2"/>
               </a:endParaRPr>
@@ -5249,14 +5219,14 @@
         </p:sp>
         <p:sp>
           <p:nvSpPr>
-            <p:cNvPr id="11" name="TextBox 80"/>
+            <p:cNvPr id="14" name="TextBox 83"/>
             <p:cNvSpPr/>
             <p:nvPr/>
           </p:nvSpPr>
           <p:spPr>
             <a:xfrm>
-              <a:off x="10677241" y="6476203"/>
-              <a:ext cx="2819006" cy="568330"/>
+              <a:off x="915481" y="5622120"/>
+              <a:ext cx="4409365" cy="568330"/>
             </a:xfrm>
             <a:custGeom>
               <a:avLst/>
@@ -5266,7 +5236,7 @@
               </a:gdLst>
               <a:ahLst/>
               <a:cxnLst>
-                <a:cxn ang="3cd4">
+                <a:cxn ang="3">
                   <a:pos x="hc" y="t"/>
                 </a:cxn>
                 <a:cxn ang="0">
@@ -5324,35 +5294,45 @@
                   <a:spcPts val="0"/>
                 </a:spcAft>
                 <a:buNone/>
-                <a:tabLst/>
               </a:pPr>
               <a:r>
-                <a:rPr lang="tr-TR" sz="4400" b="1" i="1" u="none" strike="noStrike" kern="1200" spc="0" dirty="0">
+                <a:rPr lang="tr-TR" sz="4400" b="1" i="1" u="none" strike="noStrike" kern="1200" spc="0">
                   <a:ln>
                     <a:noFill/>
                   </a:ln>
                   <a:solidFill>
                     <a:srgbClr val="FFFFFF"/>
                   </a:solidFill>
-                  <a:latin typeface="Arial" pitchFamily="18"/>
+                  <a:latin typeface="Arial" panose="020B0604020202020204" pitchFamily="2"/>
                   <a:ea typeface="Microsoft YaHei" pitchFamily="2"/>
-                  <a:cs typeface="Arial" pitchFamily="34"/>
+                  <a:cs typeface="Arial" panose="020B0604020202020204" pitchFamily="2"/>
                 </a:rPr>
-                <a:t>Results</a:t>
+                <a:t>Introduction</a:t>
               </a:r>
+              <a:endParaRPr lang="tr-TR" sz="4400" b="1" i="1" u="none" strike="noStrike" kern="1200" spc="0">
+                <a:ln>
+                  <a:noFill/>
+                </a:ln>
+                <a:solidFill>
+                  <a:srgbClr val="FFFFFF"/>
+                </a:solidFill>
+                <a:latin typeface="Arial" panose="020B0604020202020204" pitchFamily="2"/>
+                <a:ea typeface="Microsoft YaHei" pitchFamily="2"/>
+                <a:cs typeface="Arial" panose="020B0604020202020204" pitchFamily="2"/>
+              </a:endParaRPr>
             </a:p>
           </p:txBody>
         </p:sp>
         <p:sp>
           <p:nvSpPr>
-            <p:cNvPr id="12" name="TextBox 81"/>
+            <p:cNvPr id="15" name="TextBox 84"/>
             <p:cNvSpPr/>
             <p:nvPr/>
           </p:nvSpPr>
           <p:spPr>
             <a:xfrm>
-              <a:off x="9577260" y="7602216"/>
-              <a:ext cx="10556640" cy="428754"/>
+              <a:off x="886681" y="6401160"/>
+              <a:ext cx="6578279" cy="9527297"/>
             </a:xfrm>
             <a:custGeom>
               <a:avLst/>
@@ -5362,7 +5342,1109 @@
               </a:gdLst>
               <a:ahLst/>
               <a:cxnLst>
-                <a:cxn ang="3cd4">
+                <a:cxn ang="3">
+                  <a:pos x="hc" y="t"/>
+                </a:cxn>
+                <a:cxn ang="0">
+                  <a:pos x="r" y="vc"/>
+                </a:cxn>
+                <a:cxn ang="cd4">
+                  <a:pos x="hc" y="b"/>
+                </a:cxn>
+                <a:cxn ang="cd2">
+                  <a:pos x="l" y="vc"/>
+                </a:cxn>
+              </a:cxnLst>
+              <a:rect l="l" t="t" r="r" b="b"/>
+              <a:pathLst>
+                <a:path w="21600" h="21600">
+                  <a:moveTo>
+                    <a:pt x="f0" y="f0"/>
+                  </a:moveTo>
+                  <a:lnTo>
+                    <a:pt x="f1" y="f0"/>
+                  </a:lnTo>
+                  <a:lnTo>
+                    <a:pt x="f1" y="f1"/>
+                  </a:lnTo>
+                  <a:lnTo>
+                    <a:pt x="f0" y="f1"/>
+                  </a:lnTo>
+                  <a:lnTo>
+                    <a:pt x="f0" y="f0"/>
+                  </a:lnTo>
+                  <a:close/>
+                </a:path>
+              </a:pathLst>
+            </a:custGeom>
+            <a:noFill/>
+            <a:ln>
+              <a:noFill/>
+              <a:prstDash val="solid"/>
+            </a:ln>
+          </p:spPr>
+          <p:txBody>
+            <a:bodyPr vert="horz" wrap="square" lIns="90000" tIns="45000" rIns="90000" bIns="45000" anchor="t" compatLnSpc="0">
+              <a:spAutoFit/>
+            </a:bodyPr>
+            <a:lstStyle/>
+            <a:p>
+              <a:pPr marL="457200" marR="0" lvl="0" indent="-457200" rtl="0" hangingPunct="0">
+                <a:lnSpc>
+                  <a:spcPct val="100000"/>
+                </a:lnSpc>
+                <a:spcBef>
+                  <a:spcPts val="0"/>
+                </a:spcBef>
+                <a:spcAft>
+                  <a:spcPts val="0"/>
+                </a:spcAft>
+                <a:buFont typeface="Arial" panose="020B0604020202020204" pitchFamily="34" charset="0"/>
+                <a:buChar char="•"/>
+              </a:pPr>
+              <a:r>
+                <a:rPr lang="tr-TR" sz="3200" b="0" i="0" u="none" strike="noStrike" kern="1200" spc="0" dirty="0" smtClean="0">
+                  <a:ln>
+                    <a:noFill/>
+                  </a:ln>
+                  <a:solidFill>
+                    <a:srgbClr val="FFFFFF"/>
+                  </a:solidFill>
+                  <a:latin typeface="Arial" panose="020B0604020202020204" pitchFamily="2"/>
+                  <a:ea typeface="Microsoft YaHei" pitchFamily="2"/>
+                  <a:cs typeface="Arial" panose="020B0604020202020204" pitchFamily="2"/>
+                </a:rPr>
+                <a:t>Steganography is the art of concealing information within other non-secret data.</a:t>
+              </a:r>
+              <a:endParaRPr lang="tr-TR" sz="3200" b="0" i="0" u="none" strike="noStrike" kern="1200" spc="0" dirty="0" smtClean="0">
+                <a:ln>
+                  <a:noFill/>
+                </a:ln>
+                <a:solidFill>
+                  <a:srgbClr val="FFFFFF"/>
+                </a:solidFill>
+                <a:latin typeface="Arial" panose="020B0604020202020204" pitchFamily="2"/>
+                <a:ea typeface="Microsoft YaHei" pitchFamily="2"/>
+                <a:cs typeface="Arial" panose="020B0604020202020204" pitchFamily="2"/>
+              </a:endParaRPr>
+            </a:p>
+            <a:p>
+              <a:pPr marL="457200" marR="0" lvl="0" indent="-457200" rtl="0" hangingPunct="0">
+                <a:lnSpc>
+                  <a:spcPct val="100000"/>
+                </a:lnSpc>
+                <a:spcBef>
+                  <a:spcPts val="0"/>
+                </a:spcBef>
+                <a:spcAft>
+                  <a:spcPts val="0"/>
+                </a:spcAft>
+                <a:buFont typeface="Arial" panose="020B0604020202020204" pitchFamily="34" charset="0"/>
+                <a:buChar char="•"/>
+              </a:pPr>
+              <a:r>
+                <a:rPr lang="tr-TR" sz="3200" b="0" i="0" u="none" strike="noStrike" kern="1200" spc="0" dirty="0" smtClean="0">
+                  <a:ln>
+                    <a:noFill/>
+                  </a:ln>
+                  <a:solidFill>
+                    <a:srgbClr val="FFFFFF"/>
+                  </a:solidFill>
+                  <a:latin typeface="Arial" panose="020B0604020202020204" pitchFamily="2"/>
+                  <a:ea typeface="Microsoft YaHei" pitchFamily="2"/>
+                  <a:cs typeface="Arial" panose="020B0604020202020204" pitchFamily="2"/>
+                </a:rPr>
+                <a:t>With increase in computational power everyday I think encryption is becoming obsolete and attacks on encrypted data have increased.</a:t>
+              </a:r>
+              <a:endParaRPr lang="tr-TR" sz="3200" b="0" i="0" u="none" strike="noStrike" kern="1200" spc="0" dirty="0" smtClean="0">
+                <a:ln>
+                  <a:noFill/>
+                </a:ln>
+                <a:solidFill>
+                  <a:srgbClr val="FFFFFF"/>
+                </a:solidFill>
+                <a:latin typeface="Arial" panose="020B0604020202020204" pitchFamily="2"/>
+                <a:ea typeface="Microsoft YaHei" pitchFamily="2"/>
+                <a:cs typeface="Arial" panose="020B0604020202020204" pitchFamily="2"/>
+              </a:endParaRPr>
+            </a:p>
+            <a:p>
+              <a:pPr marL="457200" marR="0" lvl="0" indent="-457200" rtl="0" hangingPunct="0">
+                <a:lnSpc>
+                  <a:spcPct val="100000"/>
+                </a:lnSpc>
+                <a:spcBef>
+                  <a:spcPts val="0"/>
+                </a:spcBef>
+                <a:spcAft>
+                  <a:spcPts val="0"/>
+                </a:spcAft>
+                <a:buFont typeface="Arial" panose="020B0604020202020204" pitchFamily="34" charset="0"/>
+                <a:buChar char="•"/>
+              </a:pPr>
+              <a:r>
+                <a:rPr lang="tr-TR" sz="3200" b="0" i="0" u="none" strike="noStrike" kern="1200" spc="0" dirty="0" smtClean="0">
+                  <a:ln>
+                    <a:noFill/>
+                  </a:ln>
+                  <a:solidFill>
+                    <a:srgbClr val="FFFFFF"/>
+                  </a:solidFill>
+                  <a:latin typeface="Arial" panose="020B0604020202020204" pitchFamily="2"/>
+                  <a:ea typeface="Microsoft YaHei" pitchFamily="2"/>
+                  <a:cs typeface="Arial" panose="020B0604020202020204" pitchFamily="2"/>
+                </a:rPr>
+                <a:t>Even with the rise in computational power if we turn to steganography the attacks might be minimized because the attacker might no be able to distinguish between a normal image and an image containing sensitive data.</a:t>
+              </a:r>
+              <a:endParaRPr lang="tr-TR" sz="3200" b="0" i="0" u="none" strike="noStrike" kern="1200" spc="0" dirty="0" smtClean="0">
+                <a:ln>
+                  <a:noFill/>
+                </a:ln>
+                <a:solidFill>
+                  <a:srgbClr val="FFFFFF"/>
+                </a:solidFill>
+                <a:latin typeface="Arial" panose="020B0604020202020204" pitchFamily="2"/>
+                <a:ea typeface="Microsoft YaHei" pitchFamily="2"/>
+                <a:cs typeface="Arial" panose="020B0604020202020204" pitchFamily="2"/>
+              </a:endParaRPr>
+            </a:p>
+            <a:p>
+              <a:pPr marL="457200" marR="0" lvl="0" indent="-457200" rtl="0" hangingPunct="0">
+                <a:lnSpc>
+                  <a:spcPct val="100000"/>
+                </a:lnSpc>
+                <a:spcBef>
+                  <a:spcPts val="0"/>
+                </a:spcBef>
+                <a:spcAft>
+                  <a:spcPts val="0"/>
+                </a:spcAft>
+                <a:buFont typeface="Arial" panose="020B0604020202020204" pitchFamily="34" charset="0"/>
+                <a:buChar char="•"/>
+              </a:pPr>
+              <a:r>
+                <a:rPr lang="tr-TR" sz="3200" b="0" i="0" u="none" strike="noStrike" kern="1200" spc="0" dirty="0" smtClean="0">
+                  <a:ln>
+                    <a:noFill/>
+                  </a:ln>
+                  <a:solidFill>
+                    <a:srgbClr val="FFFFFF"/>
+                  </a:solidFill>
+                  <a:latin typeface="Arial" panose="020B0604020202020204" pitchFamily="2"/>
+                  <a:ea typeface="Microsoft YaHei" pitchFamily="2"/>
+                  <a:cs typeface="Arial" panose="020B0604020202020204" pitchFamily="2"/>
+                </a:rPr>
+                <a:t>Sensitive data might be system passwords or keys, etc.</a:t>
+              </a:r>
+              <a:endParaRPr lang="tr-TR" sz="3200" b="0" i="0" u="none" strike="noStrike" kern="1200" spc="0" dirty="0" smtClean="0">
+                <a:ln>
+                  <a:noFill/>
+                </a:ln>
+                <a:solidFill>
+                  <a:srgbClr val="FFFFFF"/>
+                </a:solidFill>
+                <a:latin typeface="Arial" panose="020B0604020202020204" pitchFamily="2"/>
+                <a:ea typeface="Microsoft YaHei" pitchFamily="2"/>
+                <a:cs typeface="Arial" panose="020B0604020202020204" pitchFamily="2"/>
+              </a:endParaRPr>
+            </a:p>
+          </p:txBody>
+        </p:sp>
+        <p:sp>
+          <p:nvSpPr>
+            <p:cNvPr id="16" name="TextBox 85"/>
+            <p:cNvSpPr/>
+            <p:nvPr/>
+          </p:nvSpPr>
+          <p:spPr>
+            <a:xfrm>
+              <a:off x="873722" y="19516680"/>
+              <a:ext cx="7198111" cy="568330"/>
+            </a:xfrm>
+            <a:custGeom>
+              <a:avLst/>
+              <a:gdLst>
+                <a:gd name="f0" fmla="val 0"/>
+                <a:gd name="f1" fmla="val 21600"/>
+              </a:gdLst>
+              <a:ahLst/>
+              <a:cxnLst>
+                <a:cxn ang="3">
+                  <a:pos x="hc" y="t"/>
+                </a:cxn>
+                <a:cxn ang="0">
+                  <a:pos x="r" y="vc"/>
+                </a:cxn>
+                <a:cxn ang="cd4">
+                  <a:pos x="hc" y="b"/>
+                </a:cxn>
+                <a:cxn ang="cd2">
+                  <a:pos x="l" y="vc"/>
+                </a:cxn>
+              </a:cxnLst>
+              <a:rect l="l" t="t" r="r" b="b"/>
+              <a:pathLst>
+                <a:path w="21600" h="21600">
+                  <a:moveTo>
+                    <a:pt x="f0" y="f0"/>
+                  </a:moveTo>
+                  <a:lnTo>
+                    <a:pt x="f1" y="f0"/>
+                  </a:lnTo>
+                  <a:lnTo>
+                    <a:pt x="f1" y="f1"/>
+                  </a:lnTo>
+                  <a:lnTo>
+                    <a:pt x="f0" y="f1"/>
+                  </a:lnTo>
+                  <a:lnTo>
+                    <a:pt x="f0" y="f0"/>
+                  </a:lnTo>
+                  <a:close/>
+                </a:path>
+              </a:pathLst>
+            </a:custGeom>
+            <a:noFill/>
+            <a:ln>
+              <a:noFill/>
+              <a:prstDash val="solid"/>
+            </a:ln>
+          </p:spPr>
+          <p:txBody>
+            <a:bodyPr vert="horz" wrap="none" lIns="90000" tIns="45000" rIns="90000" bIns="45000" anchor="t" compatLnSpc="0">
+              <a:spAutoFit/>
+            </a:bodyPr>
+            <a:lstStyle/>
+            <a:p>
+              <a:pPr marL="0" marR="0" lvl="0" indent="0" rtl="0" hangingPunct="0">
+                <a:lnSpc>
+                  <a:spcPct val="100000"/>
+                </a:lnSpc>
+                <a:spcBef>
+                  <a:spcPts val="0"/>
+                </a:spcBef>
+                <a:spcAft>
+                  <a:spcPts val="0"/>
+                </a:spcAft>
+                <a:buNone/>
+              </a:pPr>
+              <a:r>
+                <a:rPr lang="tr-TR" sz="4400" b="1" i="1" u="none" strike="noStrike" kern="1200" spc="0">
+                  <a:ln>
+                    <a:noFill/>
+                  </a:ln>
+                  <a:solidFill>
+                    <a:srgbClr val="FFFFFF"/>
+                  </a:solidFill>
+                  <a:latin typeface="Arial" panose="020B0604020202020204" pitchFamily="2"/>
+                  <a:ea typeface="Microsoft YaHei" pitchFamily="2"/>
+                  <a:cs typeface="Arial" panose="020B0604020202020204" pitchFamily="2"/>
+                </a:rPr>
+                <a:t>Methods &amp; Materials</a:t>
+              </a:r>
+              <a:endParaRPr lang="tr-TR" sz="4400" b="1" i="1" u="none" strike="noStrike" kern="1200" spc="0">
+                <a:ln>
+                  <a:noFill/>
+                </a:ln>
+                <a:solidFill>
+                  <a:srgbClr val="FFFFFF"/>
+                </a:solidFill>
+                <a:latin typeface="Arial" panose="020B0604020202020204" pitchFamily="2"/>
+                <a:ea typeface="Microsoft YaHei" pitchFamily="2"/>
+                <a:cs typeface="Arial" panose="020B0604020202020204" pitchFamily="2"/>
+              </a:endParaRPr>
+            </a:p>
+          </p:txBody>
+        </p:sp>
+        <p:sp>
+          <p:nvSpPr>
+            <p:cNvPr id="17" name="TextBox 86"/>
+            <p:cNvSpPr/>
+            <p:nvPr/>
+          </p:nvSpPr>
+          <p:spPr>
+            <a:xfrm>
+              <a:off x="886680" y="20391480"/>
+              <a:ext cx="6578280" cy="7635303"/>
+            </a:xfrm>
+            <a:custGeom>
+              <a:avLst/>
+              <a:gdLst>
+                <a:gd name="f0" fmla="val 0"/>
+                <a:gd name="f1" fmla="val 21600"/>
+              </a:gdLst>
+              <a:ahLst/>
+              <a:cxnLst>
+                <a:cxn ang="3">
+                  <a:pos x="hc" y="t"/>
+                </a:cxn>
+                <a:cxn ang="0">
+                  <a:pos x="r" y="vc"/>
+                </a:cxn>
+                <a:cxn ang="cd4">
+                  <a:pos x="hc" y="b"/>
+                </a:cxn>
+                <a:cxn ang="cd2">
+                  <a:pos x="l" y="vc"/>
+                </a:cxn>
+              </a:cxnLst>
+              <a:rect l="l" t="t" r="r" b="b"/>
+              <a:pathLst>
+                <a:path w="21600" h="21600">
+                  <a:moveTo>
+                    <a:pt x="f0" y="f0"/>
+                  </a:moveTo>
+                  <a:lnTo>
+                    <a:pt x="f1" y="f0"/>
+                  </a:lnTo>
+                  <a:lnTo>
+                    <a:pt x="f1" y="f1"/>
+                  </a:lnTo>
+                  <a:lnTo>
+                    <a:pt x="f0" y="f1"/>
+                  </a:lnTo>
+                  <a:lnTo>
+                    <a:pt x="f0" y="f0"/>
+                  </a:lnTo>
+                  <a:close/>
+                </a:path>
+              </a:pathLst>
+            </a:custGeom>
+            <a:noFill/>
+            <a:ln>
+              <a:noFill/>
+              <a:prstDash val="solid"/>
+            </a:ln>
+          </p:spPr>
+          <p:txBody>
+            <a:bodyPr vert="horz" wrap="square" lIns="90000" tIns="45000" rIns="90000" bIns="45000" anchor="t" compatLnSpc="0">
+              <a:spAutoFit/>
+            </a:bodyPr>
+            <a:lstStyle/>
+            <a:p>
+              <a:pPr marL="457200" marR="0" lvl="0" indent="-457200" rtl="0" hangingPunct="0">
+                <a:lnSpc>
+                  <a:spcPct val="100000"/>
+                </a:lnSpc>
+                <a:spcBef>
+                  <a:spcPts val="0"/>
+                </a:spcBef>
+                <a:spcAft>
+                  <a:spcPts val="0"/>
+                </a:spcAft>
+                <a:buFont typeface="Arial" panose="020B0604020202020204" pitchFamily="34" charset="0"/>
+                <a:buChar char="•"/>
+              </a:pPr>
+              <a:r>
+                <a:rPr lang="tr-TR" sz="3200" b="0" i="0" u="none" strike="noStrike" kern="1200" spc="0">
+                  <a:ln>
+                    <a:noFill/>
+                  </a:ln>
+                  <a:solidFill>
+                    <a:srgbClr val="FFFFFF"/>
+                  </a:solidFill>
+                  <a:latin typeface="Arial" panose="020B0604020202020204" pitchFamily="2"/>
+                  <a:ea typeface="Microsoft YaHei" pitchFamily="2"/>
+                  <a:cs typeface="Arial" panose="020B0604020202020204" pitchFamily="2"/>
+                </a:rPr>
+                <a:t>For my project, I introduced a secret key so that I can protect the secret information. I take the binary representation of the encrypted secret information and then modify some of the LSB of one byte per pixel inside the cover image. In this method, I used the following formula:</a:t>
+              </a:r>
+              <a:endParaRPr lang="tr-TR" sz="3200" b="0" i="0" u="none" strike="noStrike" kern="1200" spc="0">
+                <a:ln>
+                  <a:noFill/>
+                </a:ln>
+                <a:solidFill>
+                  <a:srgbClr val="FFFFFF"/>
+                </a:solidFill>
+                <a:latin typeface="Arial" panose="020B0604020202020204" pitchFamily="2"/>
+                <a:ea typeface="Microsoft YaHei" pitchFamily="2"/>
+                <a:cs typeface="Arial" panose="020B0604020202020204" pitchFamily="2"/>
+              </a:endParaRPr>
+            </a:p>
+            <a:p>
+              <a:pPr marL="457200" marR="0" lvl="0" indent="-457200" rtl="0" hangingPunct="0">
+                <a:lnSpc>
+                  <a:spcPct val="100000"/>
+                </a:lnSpc>
+                <a:spcBef>
+                  <a:spcPts val="0"/>
+                </a:spcBef>
+                <a:spcAft>
+                  <a:spcPts val="0"/>
+                </a:spcAft>
+                <a:buFont typeface="Arial" panose="020B0604020202020204" pitchFamily="34" charset="0"/>
+                <a:buChar char="•"/>
+              </a:pPr>
+              <a:endParaRPr lang="tr-TR" sz="3200" b="0" i="0" u="none" strike="noStrike" kern="1200" spc="0">
+                <a:ln>
+                  <a:noFill/>
+                </a:ln>
+                <a:solidFill>
+                  <a:srgbClr val="FFFFFF"/>
+                </a:solidFill>
+                <a:latin typeface="Arial" panose="020B0604020202020204" pitchFamily="2"/>
+                <a:ea typeface="Microsoft YaHei" pitchFamily="2"/>
+                <a:cs typeface="Arial" panose="020B0604020202020204" pitchFamily="2"/>
+              </a:endParaRPr>
+            </a:p>
+            <a:p>
+              <a:pPr marR="0" lvl="1" indent="0" rtl="0" hangingPunct="0">
+                <a:lnSpc>
+                  <a:spcPct val="100000"/>
+                </a:lnSpc>
+                <a:spcBef>
+                  <a:spcPts val="0"/>
+                </a:spcBef>
+                <a:spcAft>
+                  <a:spcPts val="0"/>
+                </a:spcAft>
+                <a:buNone/>
+              </a:pPr>
+              <a:r>
+                <a:rPr lang="tr-TR" sz="3200">
+                  <a:ln>
+                    <a:noFill/>
+                  </a:ln>
+                  <a:solidFill>
+                    <a:srgbClr val="FFFFFF"/>
+                  </a:solidFill>
+                  <a:latin typeface="Arial" panose="020B0604020202020204" pitchFamily="2"/>
+                  <a:ea typeface="Microsoft YaHei" pitchFamily="2"/>
+                  <a:cs typeface="Arial" panose="020B0604020202020204" pitchFamily="2"/>
+                  <a:sym typeface="+mn-ea"/>
+                </a:rPr>
+                <a:t>Encrypted Secret Information + Secret Key + Cover Image = Stego Image</a:t>
+              </a:r>
+              <a:endParaRPr lang="tr-TR" sz="3200" b="0" i="0" u="none" strike="noStrike" kern="1200" spc="0">
+                <a:ln>
+                  <a:noFill/>
+                </a:ln>
+                <a:solidFill>
+                  <a:srgbClr val="FFFFFF"/>
+                </a:solidFill>
+                <a:latin typeface="Arial" panose="020B0604020202020204" pitchFamily="2"/>
+                <a:ea typeface="Microsoft YaHei" pitchFamily="2"/>
+                <a:cs typeface="Arial" panose="020B0604020202020204" pitchFamily="2"/>
+              </a:endParaRPr>
+            </a:p>
+            <a:p>
+              <a:pPr marR="0" lvl="0" indent="0" rtl="0" hangingPunct="0">
+                <a:lnSpc>
+                  <a:spcPct val="100000"/>
+                </a:lnSpc>
+                <a:spcBef>
+                  <a:spcPts val="0"/>
+                </a:spcBef>
+                <a:spcAft>
+                  <a:spcPts val="0"/>
+                </a:spcAft>
+                <a:buNone/>
+              </a:pPr>
+              <a:endParaRPr lang="tr-TR" sz="3200" b="0" i="0" u="none" strike="noStrike" kern="1200" spc="0">
+                <a:ln>
+                  <a:noFill/>
+                </a:ln>
+                <a:solidFill>
+                  <a:srgbClr val="FFFFFF"/>
+                </a:solidFill>
+                <a:latin typeface="Arial" panose="020B0604020202020204" pitchFamily="2"/>
+                <a:ea typeface="Microsoft YaHei" pitchFamily="2"/>
+                <a:cs typeface="Arial" panose="020B0604020202020204" pitchFamily="2"/>
+              </a:endParaRPr>
+            </a:p>
+            <a:p>
+              <a:pPr marL="457200" marR="0" lvl="0" indent="-457200" rtl="0" hangingPunct="0">
+                <a:lnSpc>
+                  <a:spcPct val="100000"/>
+                </a:lnSpc>
+                <a:spcBef>
+                  <a:spcPts val="0"/>
+                </a:spcBef>
+                <a:spcAft>
+                  <a:spcPts val="0"/>
+                </a:spcAft>
+                <a:buFont typeface="Arial" panose="020B0604020202020204" pitchFamily="34" charset="0"/>
+                <a:buChar char="•"/>
+              </a:pPr>
+              <a:r>
+                <a:rPr lang="" altLang="tr-TR" sz="3200" b="0" i="0" u="none" strike="noStrike" kern="1200" spc="0">
+                  <a:ln>
+                    <a:noFill/>
+                  </a:ln>
+                  <a:solidFill>
+                    <a:srgbClr val="FFFFFF"/>
+                  </a:solidFill>
+                  <a:latin typeface="Arial" panose="020B0604020202020204" pitchFamily="2"/>
+                  <a:ea typeface="Microsoft YaHei" pitchFamily="2"/>
+                  <a:cs typeface="Arial" panose="020B0604020202020204" pitchFamily="2"/>
+                </a:rPr>
+                <a:t>C++, JavaScript, QML</a:t>
+              </a:r>
+              <a:endParaRPr lang="tr-TR" sz="3200" b="0" i="0" u="none" strike="noStrike" kern="1200" spc="0">
+                <a:ln>
+                  <a:noFill/>
+                </a:ln>
+                <a:solidFill>
+                  <a:srgbClr val="FFFFFF"/>
+                </a:solidFill>
+                <a:latin typeface="Arial" panose="020B0604020202020204" pitchFamily="2"/>
+                <a:ea typeface="Microsoft YaHei" pitchFamily="2"/>
+                <a:cs typeface="Arial" panose="020B0604020202020204" pitchFamily="2"/>
+              </a:endParaRPr>
+            </a:p>
+            <a:p>
+              <a:pPr marR="0" lvl="1" indent="0" rtl="0" hangingPunct="0">
+                <a:lnSpc>
+                  <a:spcPct val="100000"/>
+                </a:lnSpc>
+                <a:spcBef>
+                  <a:spcPts val="0"/>
+                </a:spcBef>
+                <a:spcAft>
+                  <a:spcPts val="0"/>
+                </a:spcAft>
+                <a:buFont typeface="Arial" panose="020B0604020202020204" pitchFamily="34" charset="0"/>
+                <a:buNone/>
+              </a:pPr>
+              <a:endParaRPr lang="tr-TR" sz="3200" b="0" i="0" u="none" strike="noStrike" kern="1200" spc="0">
+                <a:ln>
+                  <a:noFill/>
+                </a:ln>
+                <a:solidFill>
+                  <a:srgbClr val="FFFFFF"/>
+                </a:solidFill>
+                <a:latin typeface="Arial" panose="020B0604020202020204" pitchFamily="2"/>
+                <a:ea typeface="Microsoft YaHei" pitchFamily="2"/>
+                <a:cs typeface="Arial" panose="020B0604020202020204" pitchFamily="2"/>
+              </a:endParaRPr>
+            </a:p>
+          </p:txBody>
+        </p:sp>
+        <p:sp>
+          <p:nvSpPr>
+            <p:cNvPr id="18" name="TextBox 87"/>
+            <p:cNvSpPr/>
+            <p:nvPr/>
+          </p:nvSpPr>
+          <p:spPr>
+            <a:xfrm>
+              <a:off x="30663000" y="5707800"/>
+              <a:ext cx="4530115" cy="568330"/>
+            </a:xfrm>
+            <a:custGeom>
+              <a:avLst/>
+              <a:gdLst>
+                <a:gd name="f0" fmla="val 0"/>
+                <a:gd name="f1" fmla="val 21600"/>
+              </a:gdLst>
+              <a:ahLst/>
+              <a:cxnLst>
+                <a:cxn ang="3">
+                  <a:pos x="hc" y="t"/>
+                </a:cxn>
+                <a:cxn ang="0">
+                  <a:pos x="r" y="vc"/>
+                </a:cxn>
+                <a:cxn ang="cd4">
+                  <a:pos x="hc" y="b"/>
+                </a:cxn>
+                <a:cxn ang="cd2">
+                  <a:pos x="l" y="vc"/>
+                </a:cxn>
+              </a:cxnLst>
+              <a:rect l="l" t="t" r="r" b="b"/>
+              <a:pathLst>
+                <a:path w="21600" h="21600">
+                  <a:moveTo>
+                    <a:pt x="f0" y="f0"/>
+                  </a:moveTo>
+                  <a:lnTo>
+                    <a:pt x="f1" y="f0"/>
+                  </a:lnTo>
+                  <a:lnTo>
+                    <a:pt x="f1" y="f1"/>
+                  </a:lnTo>
+                  <a:lnTo>
+                    <a:pt x="f0" y="f1"/>
+                  </a:lnTo>
+                  <a:lnTo>
+                    <a:pt x="f0" y="f0"/>
+                  </a:lnTo>
+                  <a:close/>
+                </a:path>
+              </a:pathLst>
+            </a:custGeom>
+            <a:noFill/>
+            <a:ln>
+              <a:noFill/>
+              <a:prstDash val="solid"/>
+            </a:ln>
+          </p:spPr>
+          <p:txBody>
+            <a:bodyPr vert="horz" wrap="none" lIns="90000" tIns="45000" rIns="90000" bIns="45000" anchor="t" compatLnSpc="0">
+              <a:spAutoFit/>
+            </a:bodyPr>
+            <a:lstStyle/>
+            <a:p>
+              <a:pPr marL="0" marR="0" lvl="0" indent="0" rtl="0" hangingPunct="0">
+                <a:lnSpc>
+                  <a:spcPct val="100000"/>
+                </a:lnSpc>
+                <a:spcBef>
+                  <a:spcPts val="0"/>
+                </a:spcBef>
+                <a:spcAft>
+                  <a:spcPts val="0"/>
+                </a:spcAft>
+                <a:buNone/>
+              </a:pPr>
+              <a:r>
+                <a:rPr lang="tr-TR" sz="4400" b="1" i="1" u="none" strike="noStrike" kern="1200" spc="0">
+                  <a:ln>
+                    <a:noFill/>
+                  </a:ln>
+                  <a:solidFill>
+                    <a:srgbClr val="FFFFFF"/>
+                  </a:solidFill>
+                  <a:latin typeface="Arial" panose="020B0604020202020204" pitchFamily="2"/>
+                  <a:ea typeface="Microsoft YaHei" pitchFamily="2"/>
+                  <a:cs typeface="Arial" panose="020B0604020202020204" pitchFamily="2"/>
+                </a:rPr>
+                <a:t>Conclusions</a:t>
+              </a:r>
+              <a:endParaRPr lang="tr-TR" sz="4400" b="1" i="1" u="none" strike="noStrike" kern="1200" spc="0">
+                <a:ln>
+                  <a:noFill/>
+                </a:ln>
+                <a:solidFill>
+                  <a:srgbClr val="FFFFFF"/>
+                </a:solidFill>
+                <a:latin typeface="Arial" panose="020B0604020202020204" pitchFamily="2"/>
+                <a:ea typeface="Microsoft YaHei" pitchFamily="2"/>
+                <a:cs typeface="Arial" panose="020B0604020202020204" pitchFamily="2"/>
+              </a:endParaRPr>
+            </a:p>
+          </p:txBody>
+        </p:sp>
+        <p:sp>
+          <p:nvSpPr>
+            <p:cNvPr id="19" name="TextBox 88"/>
+            <p:cNvSpPr/>
+            <p:nvPr/>
+          </p:nvSpPr>
+          <p:spPr>
+            <a:xfrm>
+              <a:off x="30759840" y="6486840"/>
+              <a:ext cx="6578280" cy="12175502"/>
+            </a:xfrm>
+            <a:custGeom>
+              <a:avLst/>
+              <a:gdLst>
+                <a:gd name="f0" fmla="val 0"/>
+                <a:gd name="f1" fmla="val 21600"/>
+              </a:gdLst>
+              <a:ahLst/>
+              <a:cxnLst>
+                <a:cxn ang="3">
+                  <a:pos x="hc" y="t"/>
+                </a:cxn>
+                <a:cxn ang="0">
+                  <a:pos x="r" y="vc"/>
+                </a:cxn>
+                <a:cxn ang="cd4">
+                  <a:pos x="hc" y="b"/>
+                </a:cxn>
+                <a:cxn ang="cd2">
+                  <a:pos x="l" y="vc"/>
+                </a:cxn>
+              </a:cxnLst>
+              <a:rect l="l" t="t" r="r" b="b"/>
+              <a:pathLst>
+                <a:path w="21600" h="21600">
+                  <a:moveTo>
+                    <a:pt x="f0" y="f0"/>
+                  </a:moveTo>
+                  <a:lnTo>
+                    <a:pt x="f1" y="f0"/>
+                  </a:lnTo>
+                  <a:lnTo>
+                    <a:pt x="f1" y="f1"/>
+                  </a:lnTo>
+                  <a:lnTo>
+                    <a:pt x="f0" y="f1"/>
+                  </a:lnTo>
+                  <a:lnTo>
+                    <a:pt x="f0" y="f0"/>
+                  </a:lnTo>
+                  <a:close/>
+                </a:path>
+              </a:pathLst>
+            </a:custGeom>
+            <a:noFill/>
+            <a:ln>
+              <a:noFill/>
+              <a:prstDash val="solid"/>
+            </a:ln>
+          </p:spPr>
+          <p:txBody>
+            <a:bodyPr vert="horz" wrap="square" lIns="90000" tIns="45000" rIns="90000" bIns="45000" anchor="t" compatLnSpc="0">
+              <a:spAutoFit/>
+            </a:bodyPr>
+            <a:lstStyle/>
+            <a:p>
+              <a:pPr marL="457200" marR="0" lvl="0" indent="-457200" rtl="0" hangingPunct="0">
+                <a:lnSpc>
+                  <a:spcPct val="100000"/>
+                </a:lnSpc>
+                <a:spcBef>
+                  <a:spcPts val="0"/>
+                </a:spcBef>
+                <a:spcAft>
+                  <a:spcPts val="0"/>
+                </a:spcAft>
+                <a:buFont typeface="Arial" panose="020B0604020202020204" pitchFamily="34" charset="0"/>
+                <a:buChar char="•"/>
+              </a:pPr>
+              <a:r>
+                <a:rPr lang="tr-TR" sz="3200" b="0" i="0" u="none" strike="noStrike" kern="1200" spc="0">
+                  <a:ln>
+                    <a:noFill/>
+                  </a:ln>
+                  <a:solidFill>
+                    <a:srgbClr val="FFFFFF"/>
+                  </a:solidFill>
+                  <a:latin typeface="Arial" panose="020B0604020202020204" pitchFamily="2"/>
+                  <a:ea typeface="Microsoft YaHei" pitchFamily="2"/>
+                  <a:cs typeface="Arial" panose="020B0604020202020204" pitchFamily="2"/>
+                </a:rPr>
+                <a:t>The main benefit of this project is when you try to compare it to Cryptography. The Cryptography and Steganography are the two different aspect of the same situation. Cryptography encrypts the message make it complex whereas Steganography hides traces of the message. text would go here.</a:t>
+              </a:r>
+              <a:endParaRPr lang="tr-TR" sz="3200" b="0" i="0" u="none" strike="noStrike" kern="1200" spc="0">
+                <a:ln>
+                  <a:noFill/>
+                </a:ln>
+                <a:solidFill>
+                  <a:srgbClr val="FFFFFF"/>
+                </a:solidFill>
+                <a:latin typeface="Arial" panose="020B0604020202020204" pitchFamily="2"/>
+                <a:ea typeface="Microsoft YaHei" pitchFamily="2"/>
+                <a:cs typeface="Arial" panose="020B0604020202020204" pitchFamily="2"/>
+              </a:endParaRPr>
+            </a:p>
+            <a:p>
+              <a:pPr marL="457200" marR="0" lvl="0" indent="-457200" rtl="0" hangingPunct="0">
+                <a:lnSpc>
+                  <a:spcPct val="100000"/>
+                </a:lnSpc>
+                <a:spcBef>
+                  <a:spcPts val="0"/>
+                </a:spcBef>
+                <a:spcAft>
+                  <a:spcPts val="0"/>
+                </a:spcAft>
+                <a:buFont typeface="Arial" panose="020B0604020202020204" pitchFamily="34" charset="0"/>
+                <a:buChar char="•"/>
+              </a:pPr>
+              <a:r>
+                <a:rPr lang="tr-TR" sz="3200" b="0" i="0" u="none" strike="noStrike" kern="1200" spc="0">
+                  <a:ln>
+                    <a:noFill/>
+                  </a:ln>
+                  <a:solidFill>
+                    <a:srgbClr val="FFFFFF"/>
+                  </a:solidFill>
+                  <a:latin typeface="Arial" panose="020B0604020202020204" pitchFamily="2"/>
+                  <a:ea typeface="Microsoft YaHei" pitchFamily="2"/>
+                  <a:cs typeface="Arial" panose="020B0604020202020204" pitchFamily="2"/>
+                </a:rPr>
+                <a:t>In the proposed technique of this project I added a secret key into the basic concept of the LSB algorithm. This secret key is beneficial to make message hidden much more difficult to extract without the secret key.</a:t>
+              </a:r>
+              <a:endParaRPr lang="tr-TR" sz="3200" b="0" i="0" u="none" strike="noStrike" kern="1200" spc="0">
+                <a:ln>
+                  <a:noFill/>
+                </a:ln>
+                <a:solidFill>
+                  <a:srgbClr val="FFFFFF"/>
+                </a:solidFill>
+                <a:latin typeface="Arial" panose="020B0604020202020204" pitchFamily="2"/>
+                <a:ea typeface="Microsoft YaHei" pitchFamily="2"/>
+                <a:cs typeface="Arial" panose="020B0604020202020204" pitchFamily="2"/>
+              </a:endParaRPr>
+            </a:p>
+            <a:p>
+              <a:pPr marL="457200" marR="0" lvl="0" indent="-457200" rtl="0" hangingPunct="0">
+                <a:lnSpc>
+                  <a:spcPct val="100000"/>
+                </a:lnSpc>
+                <a:spcBef>
+                  <a:spcPts val="0"/>
+                </a:spcBef>
+                <a:spcAft>
+                  <a:spcPts val="0"/>
+                </a:spcAft>
+                <a:buFont typeface="Arial" panose="020B0604020202020204" pitchFamily="34" charset="0"/>
+                <a:buChar char="•"/>
+              </a:pPr>
+              <a:r>
+                <a:rPr lang="tr-TR" sz="3200" b="0" i="0" u="none" strike="noStrike" kern="1200" spc="0">
+                  <a:ln>
+                    <a:noFill/>
+                  </a:ln>
+                  <a:solidFill>
+                    <a:srgbClr val="FFFFFF"/>
+                  </a:solidFill>
+                  <a:latin typeface="Arial" panose="020B0604020202020204" pitchFamily="2"/>
+                  <a:ea typeface="Microsoft YaHei" pitchFamily="2"/>
+                  <a:cs typeface="Arial" panose="020B0604020202020204" pitchFamily="2"/>
+                </a:rPr>
+                <a:t>In the proposed method, since I use only the LSB of one color per pixel, The changes done to the image are kept to a minimum amount. This gives the stego-image a lower distortion.</a:t>
+              </a:r>
+              <a:endParaRPr lang="tr-TR" sz="3200" b="0" i="0" u="none" strike="noStrike" kern="1200" spc="0">
+                <a:ln>
+                  <a:noFill/>
+                </a:ln>
+                <a:solidFill>
+                  <a:srgbClr val="FFFFFF"/>
+                </a:solidFill>
+                <a:latin typeface="Arial" panose="020B0604020202020204" pitchFamily="2"/>
+                <a:ea typeface="Microsoft YaHei" pitchFamily="2"/>
+                <a:cs typeface="Arial" panose="020B0604020202020204" pitchFamily="2"/>
+              </a:endParaRPr>
+            </a:p>
+          </p:txBody>
+        </p:sp>
+        <p:sp>
+          <p:nvSpPr>
+            <p:cNvPr id="20" name="TextBox 89"/>
+            <p:cNvSpPr/>
+            <p:nvPr/>
+          </p:nvSpPr>
+          <p:spPr>
+            <a:xfrm>
+              <a:off x="30641760" y="26423280"/>
+              <a:ext cx="5391307" cy="588382"/>
+            </a:xfrm>
+            <a:custGeom>
+              <a:avLst/>
+              <a:gdLst>
+                <a:gd name="f0" fmla="val 0"/>
+                <a:gd name="f1" fmla="val 21600"/>
+              </a:gdLst>
+              <a:ahLst/>
+              <a:cxnLst>
+                <a:cxn ang="3">
+                  <a:pos x="hc" y="t"/>
+                </a:cxn>
+                <a:cxn ang="0">
+                  <a:pos x="r" y="vc"/>
+                </a:cxn>
+                <a:cxn ang="cd4">
+                  <a:pos x="hc" y="b"/>
+                </a:cxn>
+                <a:cxn ang="cd2">
+                  <a:pos x="l" y="vc"/>
+                </a:cxn>
+              </a:cxnLst>
+              <a:rect l="l" t="t" r="r" b="b"/>
+              <a:pathLst>
+                <a:path w="21600" h="21600">
+                  <a:moveTo>
+                    <a:pt x="f0" y="f0"/>
+                  </a:moveTo>
+                  <a:lnTo>
+                    <a:pt x="f1" y="f0"/>
+                  </a:lnTo>
+                  <a:lnTo>
+                    <a:pt x="f1" y="f1"/>
+                  </a:lnTo>
+                  <a:lnTo>
+                    <a:pt x="f0" y="f1"/>
+                  </a:lnTo>
+                  <a:lnTo>
+                    <a:pt x="f0" y="f0"/>
+                  </a:lnTo>
+                  <a:close/>
+                </a:path>
+              </a:pathLst>
+            </a:custGeom>
+            <a:noFill/>
+            <a:ln>
+              <a:noFill/>
+              <a:prstDash val="solid"/>
+            </a:ln>
+          </p:spPr>
+          <p:txBody>
+            <a:bodyPr vert="horz" wrap="none" lIns="90000" tIns="45000" rIns="90000" bIns="45000" anchor="t" compatLnSpc="0">
+              <a:spAutoFit/>
+            </a:bodyPr>
+            <a:lstStyle/>
+            <a:p>
+              <a:pPr marL="0" marR="0" lvl="0" indent="0" rtl="0" hangingPunct="0">
+                <a:lnSpc>
+                  <a:spcPct val="100000"/>
+                </a:lnSpc>
+                <a:spcBef>
+                  <a:spcPts val="0"/>
+                </a:spcBef>
+                <a:spcAft>
+                  <a:spcPts val="0"/>
+                </a:spcAft>
+                <a:buNone/>
+              </a:pPr>
+              <a:r>
+                <a:rPr lang="" altLang="tr-TR" sz="4400" b="1" i="1" u="none" strike="noStrike" kern="1200" spc="0">
+                  <a:ln>
+                    <a:noFill/>
+                  </a:ln>
+                  <a:solidFill>
+                    <a:srgbClr val="FFFFFF"/>
+                  </a:solidFill>
+                  <a:latin typeface="Arial" panose="020B0604020202020204" pitchFamily="2"/>
+                  <a:ea typeface="Microsoft YaHei" pitchFamily="2"/>
+                  <a:cs typeface="Arial" panose="020B0604020202020204" pitchFamily="2"/>
+                </a:rPr>
+                <a:t>Contact Details</a:t>
+              </a:r>
+              <a:endParaRPr lang="" altLang="tr-TR" sz="4400" b="1" i="1" u="none" strike="noStrike" kern="1200" spc="0">
+                <a:ln>
+                  <a:noFill/>
+                </a:ln>
+                <a:solidFill>
+                  <a:srgbClr val="FFFFFF"/>
+                </a:solidFill>
+                <a:latin typeface="Arial" panose="020B0604020202020204" pitchFamily="2"/>
+                <a:ea typeface="Microsoft YaHei" pitchFamily="2"/>
+                <a:cs typeface="Arial" panose="020B0604020202020204" pitchFamily="2"/>
+              </a:endParaRPr>
+            </a:p>
+          </p:txBody>
+        </p:sp>
+        <p:sp>
+          <p:nvSpPr>
+            <p:cNvPr id="21" name="TextBox 90"/>
+            <p:cNvSpPr/>
+            <p:nvPr/>
+          </p:nvSpPr>
+          <p:spPr>
+            <a:xfrm>
+              <a:off x="30663580" y="19496584"/>
+              <a:ext cx="6496017" cy="588382"/>
+            </a:xfrm>
+            <a:custGeom>
+              <a:avLst/>
+              <a:gdLst>
+                <a:gd name="f0" fmla="val 0"/>
+                <a:gd name="f1" fmla="val 21600"/>
+              </a:gdLst>
+              <a:ahLst/>
+              <a:cxnLst>
+                <a:cxn ang="3">
+                  <a:pos x="hc" y="t"/>
+                </a:cxn>
+                <a:cxn ang="0">
+                  <a:pos x="r" y="vc"/>
+                </a:cxn>
+                <a:cxn ang="cd4">
+                  <a:pos x="hc" y="b"/>
+                </a:cxn>
+                <a:cxn ang="cd2">
+                  <a:pos x="l" y="vc"/>
+                </a:cxn>
+              </a:cxnLst>
+              <a:rect l="l" t="t" r="r" b="b"/>
+              <a:pathLst>
+                <a:path w="21600" h="21600">
+                  <a:moveTo>
+                    <a:pt x="f0" y="f0"/>
+                  </a:moveTo>
+                  <a:lnTo>
+                    <a:pt x="f1" y="f0"/>
+                  </a:lnTo>
+                  <a:lnTo>
+                    <a:pt x="f1" y="f1"/>
+                  </a:lnTo>
+                  <a:lnTo>
+                    <a:pt x="f0" y="f1"/>
+                  </a:lnTo>
+                  <a:lnTo>
+                    <a:pt x="f0" y="f0"/>
+                  </a:lnTo>
+                  <a:close/>
+                </a:path>
+              </a:pathLst>
+            </a:custGeom>
+            <a:noFill/>
+            <a:ln>
+              <a:noFill/>
+              <a:prstDash val="solid"/>
+            </a:ln>
+          </p:spPr>
+          <p:txBody>
+            <a:bodyPr vert="horz" wrap="none" lIns="90000" tIns="45000" rIns="90000" bIns="45000" anchor="t" compatLnSpc="0">
+              <a:spAutoFit/>
+            </a:bodyPr>
+            <a:lstStyle/>
+            <a:p>
+              <a:pPr marL="0" marR="0" lvl="0" indent="0" rtl="0" hangingPunct="0">
+                <a:lnSpc>
+                  <a:spcPct val="100000"/>
+                </a:lnSpc>
+                <a:spcBef>
+                  <a:spcPts val="0"/>
+                </a:spcBef>
+                <a:spcAft>
+                  <a:spcPts val="0"/>
+                </a:spcAft>
+                <a:buNone/>
+              </a:pPr>
+              <a:r>
+                <a:rPr lang="" altLang="tr-TR" sz="4400" b="1" i="1" u="none" strike="noStrike" kern="1200" spc="0">
+                  <a:ln>
+                    <a:noFill/>
+                  </a:ln>
+                  <a:solidFill>
+                    <a:srgbClr val="FFFFFF"/>
+                  </a:solidFill>
+                  <a:latin typeface="Arial" panose="020B0604020202020204" pitchFamily="2"/>
+                  <a:ea typeface="Microsoft YaHei" pitchFamily="2"/>
+                  <a:cs typeface="Arial" panose="020B0604020202020204" pitchFamily="2"/>
+                </a:rPr>
+                <a:t>Acknowledgments</a:t>
+              </a:r>
+              <a:endParaRPr lang="" altLang="tr-TR" sz="4400" b="1" i="1" u="none" strike="noStrike" kern="1200" spc="0">
+                <a:ln>
+                  <a:noFill/>
+                </a:ln>
+                <a:solidFill>
+                  <a:srgbClr val="FFFFFF"/>
+                </a:solidFill>
+                <a:latin typeface="Arial" panose="020B0604020202020204" pitchFamily="2"/>
+                <a:ea typeface="Microsoft YaHei" pitchFamily="2"/>
+                <a:cs typeface="Arial" panose="020B0604020202020204" pitchFamily="2"/>
+              </a:endParaRPr>
+            </a:p>
+          </p:txBody>
+        </p:sp>
+        <p:sp>
+          <p:nvSpPr>
+            <p:cNvPr id="22" name="TextBox 91"/>
+            <p:cNvSpPr/>
+            <p:nvPr/>
+          </p:nvSpPr>
+          <p:spPr>
+            <a:xfrm>
+              <a:off x="30759840" y="20085230"/>
+              <a:ext cx="6578280" cy="5365203"/>
+            </a:xfrm>
+            <a:custGeom>
+              <a:avLst/>
+              <a:gdLst>
+                <a:gd name="f0" fmla="val 0"/>
+                <a:gd name="f1" fmla="val 21600"/>
+              </a:gdLst>
+              <a:ahLst/>
+              <a:cxnLst>
+                <a:cxn ang="3">
                   <a:pos x="hc" y="t"/>
                 </a:cxn>
                 <a:cxn ang="0">
@@ -5420,35 +6502,45 @@
                   <a:spcPts val="0"/>
                 </a:spcAft>
                 <a:buNone/>
-                <a:tabLst/>
               </a:pPr>
               <a:r>
-                <a:rPr lang="tr-TR" sz="3200" b="0" i="0" u="none" strike="noStrike" kern="1200" spc="0" dirty="0">
+                <a:rPr lang="tr-TR" sz="3200" b="0" i="0" u="none" strike="noStrike" kern="1200" spc="0">
                   <a:ln>
                     <a:noFill/>
                   </a:ln>
                   <a:solidFill>
                     <a:srgbClr val="FFFFFF"/>
                   </a:solidFill>
-                  <a:latin typeface="Arial" pitchFamily="18"/>
+                  <a:latin typeface="Arial" panose="020B0604020202020204" pitchFamily="2"/>
                   <a:ea typeface="Microsoft YaHei" pitchFamily="2"/>
-                  <a:cs typeface="Arial" pitchFamily="34"/>
+                  <a:cs typeface="Arial" panose="020B0604020202020204" pitchFamily="2"/>
                 </a:rPr>
-                <a:t>Your text would go here.</a:t>
+                <a:t>I would like to express my gratitude to my project supervisor, Assist. Prof. Dr. Cem B. Kalyoncu, who guided me throughout this project. I would also like to thank my advisor, Assist. Prof. Dr. Ferhun Yorgancıoğlu, for the continuous support of my BSc study and his motivation. I would also like to thank my family and friends who supported me.</a:t>
               </a:r>
+              <a:endParaRPr lang="tr-TR" sz="3200" b="0" i="0" u="none" strike="noStrike" kern="1200" spc="0">
+                <a:ln>
+                  <a:noFill/>
+                </a:ln>
+                <a:solidFill>
+                  <a:srgbClr val="FFFFFF"/>
+                </a:solidFill>
+                <a:latin typeface="Arial" panose="020B0604020202020204" pitchFamily="2"/>
+                <a:ea typeface="Microsoft YaHei" pitchFamily="2"/>
+                <a:cs typeface="Arial" panose="020B0604020202020204" pitchFamily="2"/>
+              </a:endParaRPr>
             </a:p>
           </p:txBody>
         </p:sp>
         <p:sp>
           <p:nvSpPr>
-            <p:cNvPr id="13" name="TextBox 82"/>
+            <p:cNvPr id="23" name="TextBox 92"/>
             <p:cNvSpPr/>
             <p:nvPr/>
           </p:nvSpPr>
           <p:spPr>
             <a:xfrm>
-              <a:off x="19722240" y="6510599"/>
-              <a:ext cx="10207079" cy="428754"/>
+              <a:off x="30759840" y="27192600"/>
+              <a:ext cx="6578280" cy="1959809"/>
             </a:xfrm>
             <a:custGeom>
               <a:avLst/>
@@ -5458,7 +6550,7 @@
               </a:gdLst>
               <a:ahLst/>
               <a:cxnLst>
-                <a:cxn ang="3cd4">
+                <a:cxn ang="3">
                   <a:pos x="hc" y="t"/>
                 </a:cxn>
                 <a:cxn ang="0">
@@ -5505,7 +6597,7 @@
             </a:bodyPr>
             <a:lstStyle/>
             <a:p>
-              <a:pPr marL="0" marR="0" lvl="0" indent="0" rtl="0" hangingPunct="0">
+              <a:pPr marL="457200" marR="0" lvl="0" indent="-457200" rtl="0" hangingPunct="0">
                 <a:lnSpc>
                   <a:spcPct val="100000"/>
                 </a:lnSpc>
@@ -5515,93 +6607,37 @@
                 <a:spcAft>
                   <a:spcPts val="0"/>
                 </a:spcAft>
-                <a:buNone/>
-                <a:tabLst/>
+                <a:buFont typeface="Arial" panose="020B0604020202020204" pitchFamily="34" charset="0"/>
+                <a:buChar char="•"/>
               </a:pPr>
               <a:r>
-                <a:rPr lang="tr-TR" sz="3200" b="0" i="0" u="none" strike="noStrike" kern="1200" spc="0">
+                <a:rPr lang="" altLang="tr-TR" sz="3200" b="0" i="0" u="none" strike="noStrike" kern="1200" spc="0">
                   <a:ln>
                     <a:noFill/>
                   </a:ln>
                   <a:solidFill>
                     <a:srgbClr val="FFFFFF"/>
                   </a:solidFill>
-                  <a:latin typeface="Arial" pitchFamily="18"/>
+                  <a:latin typeface="Arial" panose="020B0604020202020204" pitchFamily="2"/>
                   <a:ea typeface="Microsoft YaHei" pitchFamily="2"/>
-                  <a:cs typeface="Arial" pitchFamily="34"/>
+                  <a:cs typeface="Arial" panose="020B0604020202020204" pitchFamily="2"/>
                 </a:rPr>
-                <a:t>Your text would go here.</a:t>
+                <a:t>+90 533 861 6082</a:t>
               </a:r>
+              <a:endParaRPr lang="" altLang="tr-TR" sz="3200" b="0" i="0" u="none" strike="noStrike" kern="1200" spc="0">
+                <a:ln>
+                  <a:noFill/>
+                </a:ln>
+                <a:solidFill>
+                  <a:srgbClr val="FFFFFF"/>
+                </a:solidFill>
+                <a:latin typeface="Arial" panose="020B0604020202020204" pitchFamily="2"/>
+                <a:ea typeface="Microsoft YaHei" pitchFamily="2"/>
+                <a:cs typeface="Arial" panose="020B0604020202020204" pitchFamily="2"/>
+              </a:endParaRPr>
             </a:p>
-          </p:txBody>
-        </p:sp>
-        <p:sp>
-          <p:nvSpPr>
-            <p:cNvPr id="14" name="TextBox 83"/>
-            <p:cNvSpPr/>
-            <p:nvPr/>
-          </p:nvSpPr>
-          <p:spPr>
-            <a:xfrm>
-              <a:off x="915481" y="5622120"/>
-              <a:ext cx="4409365" cy="568330"/>
-            </a:xfrm>
-            <a:custGeom>
-              <a:avLst/>
-              <a:gdLst>
-                <a:gd name="f0" fmla="val 0"/>
-                <a:gd name="f1" fmla="val 21600"/>
-              </a:gdLst>
-              <a:ahLst/>
-              <a:cxnLst>
-                <a:cxn ang="3cd4">
-                  <a:pos x="hc" y="t"/>
-                </a:cxn>
-                <a:cxn ang="0">
-                  <a:pos x="r" y="vc"/>
-                </a:cxn>
-                <a:cxn ang="cd4">
-                  <a:pos x="hc" y="b"/>
-                </a:cxn>
-                <a:cxn ang="cd2">
-                  <a:pos x="l" y="vc"/>
-                </a:cxn>
-              </a:cxnLst>
-              <a:rect l="l" t="t" r="r" b="b"/>
-              <a:pathLst>
-                <a:path w="21600" h="21600">
-                  <a:moveTo>
-                    <a:pt x="f0" y="f0"/>
-                  </a:moveTo>
-                  <a:lnTo>
-                    <a:pt x="f1" y="f0"/>
-                  </a:lnTo>
-                  <a:lnTo>
-                    <a:pt x="f1" y="f1"/>
-                  </a:lnTo>
-                  <a:lnTo>
-                    <a:pt x="f0" y="f1"/>
-                  </a:lnTo>
-                  <a:lnTo>
-                    <a:pt x="f0" y="f0"/>
-                  </a:lnTo>
-                  <a:close/>
-                </a:path>
-              </a:pathLst>
-            </a:custGeom>
-            <a:noFill/>
-            <a:ln>
-              <a:noFill/>
-              <a:prstDash val="solid"/>
-            </a:ln>
-          </p:spPr>
-          <p:txBody>
-            <a:bodyPr vert="horz" wrap="none" lIns="90000" tIns="45000" rIns="90000" bIns="45000" anchor="t" compatLnSpc="0">
-              <a:spAutoFit/>
-            </a:bodyPr>
-            <a:lstStyle/>
             <a:p>
-              <a:pPr marL="0" marR="0" lvl="0" indent="0" rtl="0" hangingPunct="0">
+              <a:pPr marL="457200" marR="0" lvl="0" indent="-457200" rtl="0" hangingPunct="0">
                 <a:lnSpc>
                   <a:spcPct val="100000"/>
                 </a:lnSpc>
@@ -5611,93 +6647,23 @@
                 <a:spcAft>
                   <a:spcPts val="0"/>
                 </a:spcAft>
-                <a:buNone/>
-                <a:tabLst/>
+                <a:buFont typeface="Arial" panose="020B0604020202020204" pitchFamily="34" charset="0"/>
+                <a:buChar char="•"/>
               </a:pPr>
-              <a:r>
-                <a:rPr lang="tr-TR" sz="4400" b="1" i="1" u="none" strike="noStrike" kern="1200" spc="0">
-                  <a:ln>
-                    <a:noFill/>
-                  </a:ln>
-                  <a:solidFill>
-                    <a:srgbClr val="FFFFFF"/>
-                  </a:solidFill>
-                  <a:latin typeface="Arial" pitchFamily="18"/>
-                  <a:ea typeface="Microsoft YaHei" pitchFamily="2"/>
-                  <a:cs typeface="Arial" pitchFamily="34"/>
-                </a:rPr>
-                <a:t>Introduction</a:t>
-              </a:r>
+              <a:endParaRPr lang="" altLang="tr-TR" sz="3200" b="0" i="0" u="none" strike="noStrike" kern="1200" spc="0">
+                <a:ln>
+                  <a:noFill/>
+                </a:ln>
+                <a:solidFill>
+                  <a:srgbClr val="FFFFFF"/>
+                </a:solidFill>
+                <a:latin typeface="Arial" panose="020B0604020202020204" pitchFamily="2"/>
+                <a:ea typeface="Microsoft YaHei" pitchFamily="2"/>
+                <a:cs typeface="Arial" panose="020B0604020202020204" pitchFamily="2"/>
+              </a:endParaRPr>
             </a:p>
-          </p:txBody>
-        </p:sp>
-        <p:sp>
-          <p:nvSpPr>
-            <p:cNvPr id="15" name="TextBox 84"/>
-            <p:cNvSpPr/>
-            <p:nvPr/>
-          </p:nvSpPr>
-          <p:spPr>
-            <a:xfrm>
-              <a:off x="886681" y="6401160"/>
-              <a:ext cx="6578279" cy="428754"/>
-            </a:xfrm>
-            <a:custGeom>
-              <a:avLst/>
-              <a:gdLst>
-                <a:gd name="f0" fmla="val 0"/>
-                <a:gd name="f1" fmla="val 21600"/>
-              </a:gdLst>
-              <a:ahLst/>
-              <a:cxnLst>
-                <a:cxn ang="3cd4">
-                  <a:pos x="hc" y="t"/>
-                </a:cxn>
-                <a:cxn ang="0">
-                  <a:pos x="r" y="vc"/>
-                </a:cxn>
-                <a:cxn ang="cd4">
-                  <a:pos x="hc" y="b"/>
-                </a:cxn>
-                <a:cxn ang="cd2">
-                  <a:pos x="l" y="vc"/>
-                </a:cxn>
-              </a:cxnLst>
-              <a:rect l="l" t="t" r="r" b="b"/>
-              <a:pathLst>
-                <a:path w="21600" h="21600">
-                  <a:moveTo>
-                    <a:pt x="f0" y="f0"/>
-                  </a:moveTo>
-                  <a:lnTo>
-                    <a:pt x="f1" y="f0"/>
-                  </a:lnTo>
-                  <a:lnTo>
-                    <a:pt x="f1" y="f1"/>
-                  </a:lnTo>
-                  <a:lnTo>
-                    <a:pt x="f0" y="f1"/>
-                  </a:lnTo>
-                  <a:lnTo>
-                    <a:pt x="f0" y="f0"/>
-                  </a:lnTo>
-                  <a:close/>
-                </a:path>
-              </a:pathLst>
-            </a:custGeom>
-            <a:noFill/>
-            <a:ln>
-              <a:noFill/>
-              <a:prstDash val="solid"/>
-            </a:ln>
-          </p:spPr>
-          <p:txBody>
-            <a:bodyPr vert="horz" wrap="square" lIns="90000" tIns="45000" rIns="90000" bIns="45000" anchor="t" compatLnSpc="0">
-              <a:spAutoFit/>
-            </a:bodyPr>
-            <a:lstStyle/>
             <a:p>
-              <a:pPr marL="0" marR="0" lvl="0" indent="0" rtl="0" hangingPunct="0">
+              <a:pPr marL="457200" marR="0" lvl="0" indent="-457200" rtl="0" hangingPunct="0">
                 <a:lnSpc>
                   <a:spcPct val="100000"/>
                 </a:lnSpc>
@@ -5707,104 +6673,37 @@
                 <a:spcAft>
                   <a:spcPts val="0"/>
                 </a:spcAft>
-                <a:buNone/>
-                <a:tabLst/>
+                <a:buFont typeface="Arial" panose="020B0604020202020204" pitchFamily="34" charset="0"/>
+                <a:buChar char="•"/>
               </a:pPr>
               <a:r>
-                <a:rPr lang="tr-TR" sz="3200" b="0" i="0" u="none" strike="noStrike" kern="1200" spc="0" dirty="0" smtClean="0">
+                <a:rPr lang="" altLang="tr-TR" sz="3200" b="0" i="0" u="none" strike="noStrike" kern="1200" spc="0">
                   <a:ln>
                     <a:noFill/>
                   </a:ln>
                   <a:solidFill>
                     <a:srgbClr val="FFFFFF"/>
                   </a:solidFill>
-                  <a:latin typeface="Arial" pitchFamily="18"/>
+                  <a:latin typeface="Arial" panose="020B0604020202020204" pitchFamily="2"/>
                   <a:ea typeface="Microsoft YaHei" pitchFamily="2"/>
-                  <a:cs typeface="Arial" pitchFamily="34"/>
+                  <a:cs typeface="Arial" panose="020B0604020202020204" pitchFamily="2"/>
                 </a:rPr>
-                <a:t>deneme</a:t>
+                <a:t>emmanuelmaneswa@gmail.com</a:t>
               </a:r>
-              <a:endParaRPr lang="tr-TR" sz="3200" b="0" i="0" u="none" strike="noStrike" kern="1200" spc="0" dirty="0">
+              <a:endParaRPr lang="" altLang="tr-TR" sz="3200" b="0" i="0" u="none" strike="noStrike" kern="1200" spc="0">
                 <a:ln>
                   <a:noFill/>
                 </a:ln>
                 <a:solidFill>
                   <a:srgbClr val="FFFFFF"/>
                 </a:solidFill>
-                <a:latin typeface="Arial" pitchFamily="18"/>
+                <a:latin typeface="Arial" panose="020B0604020202020204" pitchFamily="2"/>
                 <a:ea typeface="Microsoft YaHei" pitchFamily="2"/>
-                <a:cs typeface="Arial" pitchFamily="34"/>
+                <a:cs typeface="Arial" panose="020B0604020202020204" pitchFamily="2"/>
               </a:endParaRPr>
             </a:p>
-          </p:txBody>
-        </p:sp>
-        <p:sp>
-          <p:nvSpPr>
-            <p:cNvPr id="16" name="TextBox 85"/>
-            <p:cNvSpPr/>
-            <p:nvPr/>
-          </p:nvSpPr>
-          <p:spPr>
-            <a:xfrm>
-              <a:off x="873722" y="19516680"/>
-              <a:ext cx="7198111" cy="568330"/>
-            </a:xfrm>
-            <a:custGeom>
-              <a:avLst/>
-              <a:gdLst>
-                <a:gd name="f0" fmla="val 0"/>
-                <a:gd name="f1" fmla="val 21600"/>
-              </a:gdLst>
-              <a:ahLst/>
-              <a:cxnLst>
-                <a:cxn ang="3cd4">
-                  <a:pos x="hc" y="t"/>
-                </a:cxn>
-                <a:cxn ang="0">
-                  <a:pos x="r" y="vc"/>
-                </a:cxn>
-                <a:cxn ang="cd4">
-                  <a:pos x="hc" y="b"/>
-                </a:cxn>
-                <a:cxn ang="cd2">
-                  <a:pos x="l" y="vc"/>
-                </a:cxn>
-              </a:cxnLst>
-              <a:rect l="l" t="t" r="r" b="b"/>
-              <a:pathLst>
-                <a:path w="21600" h="21600">
-                  <a:moveTo>
-                    <a:pt x="f0" y="f0"/>
-                  </a:moveTo>
-                  <a:lnTo>
-                    <a:pt x="f1" y="f0"/>
-                  </a:lnTo>
-                  <a:lnTo>
-                    <a:pt x="f1" y="f1"/>
-                  </a:lnTo>
-                  <a:lnTo>
-                    <a:pt x="f0" y="f1"/>
-                  </a:lnTo>
-                  <a:lnTo>
-                    <a:pt x="f0" y="f0"/>
-                  </a:lnTo>
-                  <a:close/>
-                </a:path>
-              </a:pathLst>
-            </a:custGeom>
-            <a:noFill/>
-            <a:ln>
-              <a:noFill/>
-              <a:prstDash val="solid"/>
-            </a:ln>
-          </p:spPr>
-          <p:txBody>
-            <a:bodyPr vert="horz" wrap="none" lIns="90000" tIns="45000" rIns="90000" bIns="45000" anchor="t" compatLnSpc="0">
-              <a:spAutoFit/>
-            </a:bodyPr>
-            <a:lstStyle/>
             <a:p>
-              <a:pPr marL="0" marR="0" lvl="0" indent="0" rtl="0" hangingPunct="0">
+              <a:pPr marL="457200" marR="0" lvl="0" indent="-457200" rtl="0" hangingPunct="0">
                 <a:lnSpc>
                   <a:spcPct val="100000"/>
                 </a:lnSpc>
@@ -5814,711 +6713,35 @@
                 <a:spcAft>
                   <a:spcPts val="0"/>
                 </a:spcAft>
-                <a:buNone/>
-                <a:tabLst/>
+                <a:buFont typeface="Arial" panose="020B0604020202020204" pitchFamily="34" charset="0"/>
+                <a:buChar char="•"/>
               </a:pPr>
-              <a:r>
-                <a:rPr lang="tr-TR" sz="4400" b="1" i="1" u="none" strike="noStrike" kern="1200" spc="0">
-                  <a:ln>
-                    <a:noFill/>
-                  </a:ln>
-                  <a:solidFill>
-                    <a:srgbClr val="FFFFFF"/>
-                  </a:solidFill>
-                  <a:latin typeface="Arial" pitchFamily="18"/>
-                  <a:ea typeface="Microsoft YaHei" pitchFamily="2"/>
-                  <a:cs typeface="Arial" pitchFamily="34"/>
-                </a:rPr>
-                <a:t>Methods &amp; Materials</a:t>
-              </a:r>
-            </a:p>
-          </p:txBody>
-        </p:sp>
-        <p:sp>
-          <p:nvSpPr>
-            <p:cNvPr id="17" name="TextBox 86"/>
-            <p:cNvSpPr/>
-            <p:nvPr/>
-          </p:nvSpPr>
-          <p:spPr>
-            <a:xfrm>
-              <a:off x="886680" y="20391480"/>
-              <a:ext cx="6578280" cy="432360"/>
-            </a:xfrm>
-            <a:custGeom>
-              <a:avLst/>
-              <a:gdLst>
-                <a:gd name="f0" fmla="val 0"/>
-                <a:gd name="f1" fmla="val 21600"/>
-              </a:gdLst>
-              <a:ahLst/>
-              <a:cxnLst>
-                <a:cxn ang="3cd4">
-                  <a:pos x="hc" y="t"/>
-                </a:cxn>
-                <a:cxn ang="0">
-                  <a:pos x="r" y="vc"/>
-                </a:cxn>
-                <a:cxn ang="cd4">
-                  <a:pos x="hc" y="b"/>
-                </a:cxn>
-                <a:cxn ang="cd2">
-                  <a:pos x="l" y="vc"/>
-                </a:cxn>
-              </a:cxnLst>
-              <a:rect l="l" t="t" r="r" b="b"/>
-              <a:pathLst>
-                <a:path w="21600" h="21600">
-                  <a:moveTo>
-                    <a:pt x="f0" y="f0"/>
-                  </a:moveTo>
-                  <a:lnTo>
-                    <a:pt x="f1" y="f0"/>
-                  </a:lnTo>
-                  <a:lnTo>
-                    <a:pt x="f1" y="f1"/>
-                  </a:lnTo>
-                  <a:lnTo>
-                    <a:pt x="f0" y="f1"/>
-                  </a:lnTo>
-                  <a:lnTo>
-                    <a:pt x="f0" y="f0"/>
-                  </a:lnTo>
-                  <a:close/>
-                </a:path>
-              </a:pathLst>
-            </a:custGeom>
-            <a:noFill/>
-            <a:ln>
-              <a:noFill/>
-              <a:prstDash val="solid"/>
-            </a:ln>
-          </p:spPr>
-          <p:txBody>
-            <a:bodyPr vert="horz" wrap="square" lIns="90000" tIns="45000" rIns="90000" bIns="45000" anchor="t" compatLnSpc="0">
-              <a:spAutoFit/>
-            </a:bodyPr>
-            <a:lstStyle/>
-            <a:p>
-              <a:pPr marL="0" marR="0" lvl="0" indent="0" rtl="0" hangingPunct="0">
-                <a:lnSpc>
-                  <a:spcPct val="100000"/>
-                </a:lnSpc>
-                <a:spcBef>
-                  <a:spcPts val="0"/>
-                </a:spcBef>
-                <a:spcAft>
-                  <a:spcPts val="0"/>
-                </a:spcAft>
-                <a:buNone/>
-                <a:tabLst/>
-              </a:pPr>
-              <a:r>
-                <a:rPr lang="tr-TR" sz="3200" b="0" i="0" u="none" strike="noStrike" kern="1200" spc="0">
-                  <a:ln>
-                    <a:noFill/>
-                  </a:ln>
-                  <a:solidFill>
-                    <a:srgbClr val="FFFFFF"/>
-                  </a:solidFill>
-                  <a:latin typeface="Arial" pitchFamily="18"/>
-                  <a:ea typeface="Microsoft YaHei" pitchFamily="2"/>
-                  <a:cs typeface="Arial" pitchFamily="34"/>
-                </a:rPr>
-                <a:t>Your text would go here.</a:t>
-              </a:r>
-            </a:p>
-          </p:txBody>
-        </p:sp>
-        <p:sp>
-          <p:nvSpPr>
-            <p:cNvPr id="18" name="TextBox 87"/>
-            <p:cNvSpPr/>
-            <p:nvPr/>
-          </p:nvSpPr>
-          <p:spPr>
-            <a:xfrm>
-              <a:off x="30663000" y="5707800"/>
-              <a:ext cx="4530115" cy="568330"/>
-            </a:xfrm>
-            <a:custGeom>
-              <a:avLst/>
-              <a:gdLst>
-                <a:gd name="f0" fmla="val 0"/>
-                <a:gd name="f1" fmla="val 21600"/>
-              </a:gdLst>
-              <a:ahLst/>
-              <a:cxnLst>
-                <a:cxn ang="3cd4">
-                  <a:pos x="hc" y="t"/>
-                </a:cxn>
-                <a:cxn ang="0">
-                  <a:pos x="r" y="vc"/>
-                </a:cxn>
-                <a:cxn ang="cd4">
-                  <a:pos x="hc" y="b"/>
-                </a:cxn>
-                <a:cxn ang="cd2">
-                  <a:pos x="l" y="vc"/>
-                </a:cxn>
-              </a:cxnLst>
-              <a:rect l="l" t="t" r="r" b="b"/>
-              <a:pathLst>
-                <a:path w="21600" h="21600">
-                  <a:moveTo>
-                    <a:pt x="f0" y="f0"/>
-                  </a:moveTo>
-                  <a:lnTo>
-                    <a:pt x="f1" y="f0"/>
-                  </a:lnTo>
-                  <a:lnTo>
-                    <a:pt x="f1" y="f1"/>
-                  </a:lnTo>
-                  <a:lnTo>
-                    <a:pt x="f0" y="f1"/>
-                  </a:lnTo>
-                  <a:lnTo>
-                    <a:pt x="f0" y="f0"/>
-                  </a:lnTo>
-                  <a:close/>
-                </a:path>
-              </a:pathLst>
-            </a:custGeom>
-            <a:noFill/>
-            <a:ln>
-              <a:noFill/>
-              <a:prstDash val="solid"/>
-            </a:ln>
-          </p:spPr>
-          <p:txBody>
-            <a:bodyPr vert="horz" wrap="none" lIns="90000" tIns="45000" rIns="90000" bIns="45000" anchor="t" compatLnSpc="0">
-              <a:spAutoFit/>
-            </a:bodyPr>
-            <a:lstStyle/>
-            <a:p>
-              <a:pPr marL="0" marR="0" lvl="0" indent="0" rtl="0" hangingPunct="0">
-                <a:lnSpc>
-                  <a:spcPct val="100000"/>
-                </a:lnSpc>
-                <a:spcBef>
-                  <a:spcPts val="0"/>
-                </a:spcBef>
-                <a:spcAft>
-                  <a:spcPts val="0"/>
-                </a:spcAft>
-                <a:buNone/>
-                <a:tabLst/>
-              </a:pPr>
-              <a:r>
-                <a:rPr lang="tr-TR" sz="4400" b="1" i="1" u="none" strike="noStrike" kern="1200" spc="0">
-                  <a:ln>
-                    <a:noFill/>
-                  </a:ln>
-                  <a:solidFill>
-                    <a:srgbClr val="FFFFFF"/>
-                  </a:solidFill>
-                  <a:latin typeface="Arial" pitchFamily="18"/>
-                  <a:ea typeface="Microsoft YaHei" pitchFamily="2"/>
-                  <a:cs typeface="Arial" pitchFamily="34"/>
-                </a:rPr>
-                <a:t>Conclusions</a:t>
-              </a:r>
-            </a:p>
-          </p:txBody>
-        </p:sp>
-        <p:sp>
-          <p:nvSpPr>
-            <p:cNvPr id="19" name="TextBox 88"/>
-            <p:cNvSpPr/>
-            <p:nvPr/>
-          </p:nvSpPr>
-          <p:spPr>
-            <a:xfrm>
-              <a:off x="30759840" y="6486840"/>
-              <a:ext cx="6578280" cy="432360"/>
-            </a:xfrm>
-            <a:custGeom>
-              <a:avLst/>
-              <a:gdLst>
-                <a:gd name="f0" fmla="val 0"/>
-                <a:gd name="f1" fmla="val 21600"/>
-              </a:gdLst>
-              <a:ahLst/>
-              <a:cxnLst>
-                <a:cxn ang="3cd4">
-                  <a:pos x="hc" y="t"/>
-                </a:cxn>
-                <a:cxn ang="0">
-                  <a:pos x="r" y="vc"/>
-                </a:cxn>
-                <a:cxn ang="cd4">
-                  <a:pos x="hc" y="b"/>
-                </a:cxn>
-                <a:cxn ang="cd2">
-                  <a:pos x="l" y="vc"/>
-                </a:cxn>
-              </a:cxnLst>
-              <a:rect l="l" t="t" r="r" b="b"/>
-              <a:pathLst>
-                <a:path w="21600" h="21600">
-                  <a:moveTo>
-                    <a:pt x="f0" y="f0"/>
-                  </a:moveTo>
-                  <a:lnTo>
-                    <a:pt x="f1" y="f0"/>
-                  </a:lnTo>
-                  <a:lnTo>
-                    <a:pt x="f1" y="f1"/>
-                  </a:lnTo>
-                  <a:lnTo>
-                    <a:pt x="f0" y="f1"/>
-                  </a:lnTo>
-                  <a:lnTo>
-                    <a:pt x="f0" y="f0"/>
-                  </a:lnTo>
-                  <a:close/>
-                </a:path>
-              </a:pathLst>
-            </a:custGeom>
-            <a:noFill/>
-            <a:ln>
-              <a:noFill/>
-              <a:prstDash val="solid"/>
-            </a:ln>
-          </p:spPr>
-          <p:txBody>
-            <a:bodyPr vert="horz" wrap="square" lIns="90000" tIns="45000" rIns="90000" bIns="45000" anchor="t" compatLnSpc="0">
-              <a:spAutoFit/>
-            </a:bodyPr>
-            <a:lstStyle/>
-            <a:p>
-              <a:pPr marL="0" marR="0" lvl="0" indent="0" rtl="0" hangingPunct="0">
-                <a:lnSpc>
-                  <a:spcPct val="100000"/>
-                </a:lnSpc>
-                <a:spcBef>
-                  <a:spcPts val="0"/>
-                </a:spcBef>
-                <a:spcAft>
-                  <a:spcPts val="0"/>
-                </a:spcAft>
-                <a:buNone/>
-                <a:tabLst/>
-              </a:pPr>
-              <a:r>
-                <a:rPr lang="tr-TR" sz="3200" b="0" i="0" u="none" strike="noStrike" kern="1200" spc="0">
-                  <a:ln>
-                    <a:noFill/>
-                  </a:ln>
-                  <a:solidFill>
-                    <a:srgbClr val="FFFFFF"/>
-                  </a:solidFill>
-                  <a:latin typeface="Arial" pitchFamily="18"/>
-                  <a:ea typeface="Microsoft YaHei" pitchFamily="2"/>
-                  <a:cs typeface="Arial" pitchFamily="34"/>
-                </a:rPr>
-                <a:t>Your text would go here.</a:t>
-              </a:r>
-            </a:p>
-          </p:txBody>
-        </p:sp>
-        <p:sp>
-          <p:nvSpPr>
-            <p:cNvPr id="20" name="TextBox 89"/>
-            <p:cNvSpPr/>
-            <p:nvPr/>
-          </p:nvSpPr>
-          <p:spPr>
-            <a:xfrm>
-              <a:off x="30641760" y="26423280"/>
-              <a:ext cx="6959541" cy="568330"/>
-            </a:xfrm>
-            <a:custGeom>
-              <a:avLst/>
-              <a:gdLst>
-                <a:gd name="f0" fmla="val 0"/>
-                <a:gd name="f1" fmla="val 21600"/>
-              </a:gdLst>
-              <a:ahLst/>
-              <a:cxnLst>
-                <a:cxn ang="3cd4">
-                  <a:pos x="hc" y="t"/>
-                </a:cxn>
-                <a:cxn ang="0">
-                  <a:pos x="r" y="vc"/>
-                </a:cxn>
-                <a:cxn ang="cd4">
-                  <a:pos x="hc" y="b"/>
-                </a:cxn>
-                <a:cxn ang="cd2">
-                  <a:pos x="l" y="vc"/>
-                </a:cxn>
-              </a:cxnLst>
-              <a:rect l="l" t="t" r="r" b="b"/>
-              <a:pathLst>
-                <a:path w="21600" h="21600">
-                  <a:moveTo>
-                    <a:pt x="f0" y="f0"/>
-                  </a:moveTo>
-                  <a:lnTo>
-                    <a:pt x="f1" y="f0"/>
-                  </a:lnTo>
-                  <a:lnTo>
-                    <a:pt x="f1" y="f1"/>
-                  </a:lnTo>
-                  <a:lnTo>
-                    <a:pt x="f0" y="f1"/>
-                  </a:lnTo>
-                  <a:lnTo>
-                    <a:pt x="f0" y="f0"/>
-                  </a:lnTo>
-                  <a:close/>
-                </a:path>
-              </a:pathLst>
-            </a:custGeom>
-            <a:noFill/>
-            <a:ln>
-              <a:noFill/>
-              <a:prstDash val="solid"/>
-            </a:ln>
-          </p:spPr>
-          <p:txBody>
-            <a:bodyPr vert="horz" wrap="none" lIns="90000" tIns="45000" rIns="90000" bIns="45000" anchor="t" compatLnSpc="0">
-              <a:spAutoFit/>
-            </a:bodyPr>
-            <a:lstStyle/>
-            <a:p>
-              <a:pPr marL="0" marR="0" lvl="0" indent="0" rtl="0" hangingPunct="0">
-                <a:lnSpc>
-                  <a:spcPct val="100000"/>
-                </a:lnSpc>
-                <a:spcBef>
-                  <a:spcPts val="0"/>
-                </a:spcBef>
-                <a:spcAft>
-                  <a:spcPts val="0"/>
-                </a:spcAft>
-                <a:buNone/>
-                <a:tabLst/>
-              </a:pPr>
-              <a:r>
-                <a:rPr lang="tr-TR" sz="4400" b="1" i="1" u="none" strike="noStrike" kern="1200" spc="0">
-                  <a:ln>
-                    <a:noFill/>
-                  </a:ln>
-                  <a:solidFill>
-                    <a:srgbClr val="FFFFFF"/>
-                  </a:solidFill>
-                  <a:latin typeface="Arial" pitchFamily="18"/>
-                  <a:ea typeface="Microsoft YaHei" pitchFamily="2"/>
-                  <a:cs typeface="Arial" pitchFamily="34"/>
-                </a:rPr>
-                <a:t>Acknowledgements</a:t>
-              </a:r>
-            </a:p>
-          </p:txBody>
-        </p:sp>
-        <p:sp>
-          <p:nvSpPr>
-            <p:cNvPr id="21" name="TextBox 90"/>
-            <p:cNvSpPr/>
-            <p:nvPr/>
-          </p:nvSpPr>
-          <p:spPr>
-            <a:xfrm>
-              <a:off x="30732120" y="19559520"/>
-              <a:ext cx="4094257" cy="568330"/>
-            </a:xfrm>
-            <a:custGeom>
-              <a:avLst/>
-              <a:gdLst>
-                <a:gd name="f0" fmla="val 0"/>
-                <a:gd name="f1" fmla="val 21600"/>
-              </a:gdLst>
-              <a:ahLst/>
-              <a:cxnLst>
-                <a:cxn ang="3cd4">
-                  <a:pos x="hc" y="t"/>
-                </a:cxn>
-                <a:cxn ang="0">
-                  <a:pos x="r" y="vc"/>
-                </a:cxn>
-                <a:cxn ang="cd4">
-                  <a:pos x="hc" y="b"/>
-                </a:cxn>
-                <a:cxn ang="cd2">
-                  <a:pos x="l" y="vc"/>
-                </a:cxn>
-              </a:cxnLst>
-              <a:rect l="l" t="t" r="r" b="b"/>
-              <a:pathLst>
-                <a:path w="21600" h="21600">
-                  <a:moveTo>
-                    <a:pt x="f0" y="f0"/>
-                  </a:moveTo>
-                  <a:lnTo>
-                    <a:pt x="f1" y="f0"/>
-                  </a:lnTo>
-                  <a:lnTo>
-                    <a:pt x="f1" y="f1"/>
-                  </a:lnTo>
-                  <a:lnTo>
-                    <a:pt x="f0" y="f1"/>
-                  </a:lnTo>
-                  <a:lnTo>
-                    <a:pt x="f0" y="f0"/>
-                  </a:lnTo>
-                  <a:close/>
-                </a:path>
-              </a:pathLst>
-            </a:custGeom>
-            <a:noFill/>
-            <a:ln>
-              <a:noFill/>
-              <a:prstDash val="solid"/>
-            </a:ln>
-          </p:spPr>
-          <p:txBody>
-            <a:bodyPr vert="horz" wrap="none" lIns="90000" tIns="45000" rIns="90000" bIns="45000" anchor="t" compatLnSpc="0">
-              <a:spAutoFit/>
-            </a:bodyPr>
-            <a:lstStyle/>
-            <a:p>
-              <a:pPr marL="0" marR="0" lvl="0" indent="0" rtl="0" hangingPunct="0">
-                <a:lnSpc>
-                  <a:spcPct val="100000"/>
-                </a:lnSpc>
-                <a:spcBef>
-                  <a:spcPts val="0"/>
-                </a:spcBef>
-                <a:spcAft>
-                  <a:spcPts val="0"/>
-                </a:spcAft>
-                <a:buNone/>
-                <a:tabLst/>
-              </a:pPr>
-              <a:r>
-                <a:rPr lang="tr-TR" sz="4400" b="1" i="1" u="none" strike="noStrike" kern="1200" spc="0">
-                  <a:ln>
-                    <a:noFill/>
-                  </a:ln>
-                  <a:solidFill>
-                    <a:srgbClr val="FFFFFF"/>
-                  </a:solidFill>
-                  <a:latin typeface="Arial" pitchFamily="18"/>
-                  <a:ea typeface="Microsoft YaHei" pitchFamily="2"/>
-                  <a:cs typeface="Arial" pitchFamily="34"/>
-                </a:rPr>
-                <a:t>References</a:t>
-              </a:r>
-            </a:p>
-          </p:txBody>
-        </p:sp>
-        <p:sp>
-          <p:nvSpPr>
-            <p:cNvPr id="22" name="TextBox 91"/>
-            <p:cNvSpPr/>
-            <p:nvPr/>
-          </p:nvSpPr>
-          <p:spPr>
-            <a:xfrm>
-              <a:off x="30759840" y="20271600"/>
-              <a:ext cx="6578280" cy="432360"/>
-            </a:xfrm>
-            <a:custGeom>
-              <a:avLst/>
-              <a:gdLst>
-                <a:gd name="f0" fmla="val 0"/>
-                <a:gd name="f1" fmla="val 21600"/>
-              </a:gdLst>
-              <a:ahLst/>
-              <a:cxnLst>
-                <a:cxn ang="3cd4">
-                  <a:pos x="hc" y="t"/>
-                </a:cxn>
-                <a:cxn ang="0">
-                  <a:pos x="r" y="vc"/>
-                </a:cxn>
-                <a:cxn ang="cd4">
-                  <a:pos x="hc" y="b"/>
-                </a:cxn>
-                <a:cxn ang="cd2">
-                  <a:pos x="l" y="vc"/>
-                </a:cxn>
-              </a:cxnLst>
-              <a:rect l="l" t="t" r="r" b="b"/>
-              <a:pathLst>
-                <a:path w="21600" h="21600">
-                  <a:moveTo>
-                    <a:pt x="f0" y="f0"/>
-                  </a:moveTo>
-                  <a:lnTo>
-                    <a:pt x="f1" y="f0"/>
-                  </a:lnTo>
-                  <a:lnTo>
-                    <a:pt x="f1" y="f1"/>
-                  </a:lnTo>
-                  <a:lnTo>
-                    <a:pt x="f0" y="f1"/>
-                  </a:lnTo>
-                  <a:lnTo>
-                    <a:pt x="f0" y="f0"/>
-                  </a:lnTo>
-                  <a:close/>
-                </a:path>
-              </a:pathLst>
-            </a:custGeom>
-            <a:noFill/>
-            <a:ln>
-              <a:noFill/>
-              <a:prstDash val="solid"/>
-            </a:ln>
-          </p:spPr>
-          <p:txBody>
-            <a:bodyPr vert="horz" wrap="square" lIns="90000" tIns="45000" rIns="90000" bIns="45000" anchor="t" compatLnSpc="0">
-              <a:spAutoFit/>
-            </a:bodyPr>
-            <a:lstStyle/>
-            <a:p>
-              <a:pPr marL="0" marR="0" lvl="0" indent="0" rtl="0" hangingPunct="0">
-                <a:lnSpc>
-                  <a:spcPct val="100000"/>
-                </a:lnSpc>
-                <a:spcBef>
-                  <a:spcPts val="0"/>
-                </a:spcBef>
-                <a:spcAft>
-                  <a:spcPts val="0"/>
-                </a:spcAft>
-                <a:buNone/>
-                <a:tabLst/>
-              </a:pPr>
-              <a:r>
-                <a:rPr lang="tr-TR" sz="3200" b="0" i="0" u="none" strike="noStrike" kern="1200" spc="0">
-                  <a:ln>
-                    <a:noFill/>
-                  </a:ln>
-                  <a:solidFill>
-                    <a:srgbClr val="FFFFFF"/>
-                  </a:solidFill>
-                  <a:latin typeface="Arial" pitchFamily="18"/>
-                  <a:ea typeface="Microsoft YaHei" pitchFamily="2"/>
-                  <a:cs typeface="Arial" pitchFamily="34"/>
-                </a:rPr>
-                <a:t>Your text would go here.</a:t>
-              </a:r>
-            </a:p>
-          </p:txBody>
-        </p:sp>
-        <p:sp>
-          <p:nvSpPr>
-            <p:cNvPr id="23" name="TextBox 92"/>
-            <p:cNvSpPr/>
-            <p:nvPr/>
-          </p:nvSpPr>
-          <p:spPr>
-            <a:xfrm>
-              <a:off x="30759840" y="27192600"/>
-              <a:ext cx="6578280" cy="432360"/>
-            </a:xfrm>
-            <a:custGeom>
-              <a:avLst/>
-              <a:gdLst>
-                <a:gd name="f0" fmla="val 0"/>
-                <a:gd name="f1" fmla="val 21600"/>
-              </a:gdLst>
-              <a:ahLst/>
-              <a:cxnLst>
-                <a:cxn ang="3cd4">
-                  <a:pos x="hc" y="t"/>
-                </a:cxn>
-                <a:cxn ang="0">
-                  <a:pos x="r" y="vc"/>
-                </a:cxn>
-                <a:cxn ang="cd4">
-                  <a:pos x="hc" y="b"/>
-                </a:cxn>
-                <a:cxn ang="cd2">
-                  <a:pos x="l" y="vc"/>
-                </a:cxn>
-              </a:cxnLst>
-              <a:rect l="l" t="t" r="r" b="b"/>
-              <a:pathLst>
-                <a:path w="21600" h="21600">
-                  <a:moveTo>
-                    <a:pt x="f0" y="f0"/>
-                  </a:moveTo>
-                  <a:lnTo>
-                    <a:pt x="f1" y="f0"/>
-                  </a:lnTo>
-                  <a:lnTo>
-                    <a:pt x="f1" y="f1"/>
-                  </a:lnTo>
-                  <a:lnTo>
-                    <a:pt x="f0" y="f1"/>
-                  </a:lnTo>
-                  <a:lnTo>
-                    <a:pt x="f0" y="f0"/>
-                  </a:lnTo>
-                  <a:close/>
-                </a:path>
-              </a:pathLst>
-            </a:custGeom>
-            <a:noFill/>
-            <a:ln>
-              <a:noFill/>
-              <a:prstDash val="solid"/>
-            </a:ln>
-          </p:spPr>
-          <p:txBody>
-            <a:bodyPr vert="horz" wrap="square" lIns="90000" tIns="45000" rIns="90000" bIns="45000" anchor="t" compatLnSpc="0">
-              <a:spAutoFit/>
-            </a:bodyPr>
-            <a:lstStyle/>
-            <a:p>
-              <a:pPr marL="0" marR="0" lvl="0" indent="0" rtl="0" hangingPunct="0">
-                <a:lnSpc>
-                  <a:spcPct val="100000"/>
-                </a:lnSpc>
-                <a:spcBef>
-                  <a:spcPts val="0"/>
-                </a:spcBef>
-                <a:spcAft>
-                  <a:spcPts val="0"/>
-                </a:spcAft>
-                <a:buNone/>
-                <a:tabLst/>
-              </a:pPr>
-              <a:r>
-                <a:rPr lang="tr-TR" sz="3200" b="0" i="0" u="none" strike="noStrike" kern="1200" spc="0">
-                  <a:ln>
-                    <a:noFill/>
-                  </a:ln>
-                  <a:solidFill>
-                    <a:srgbClr val="FFFFFF"/>
-                  </a:solidFill>
-                  <a:latin typeface="Arial" pitchFamily="18"/>
-                  <a:ea typeface="Microsoft YaHei" pitchFamily="2"/>
-                  <a:cs typeface="Arial" pitchFamily="34"/>
-                </a:rPr>
-                <a:t>Your text would go here.</a:t>
-              </a:r>
+              <a:endParaRPr lang="" altLang="tr-TR" sz="3200" b="0" i="0" u="none" strike="noStrike" kern="1200" spc="0">
+                <a:ln>
+                  <a:noFill/>
+                </a:ln>
+                <a:solidFill>
+                  <a:srgbClr val="FFFFFF"/>
+                </a:solidFill>
+                <a:latin typeface="Arial" panose="020B0604020202020204" pitchFamily="2"/>
+                <a:ea typeface="Microsoft YaHei" pitchFamily="2"/>
+                <a:cs typeface="Arial" panose="020B0604020202020204" pitchFamily="2"/>
+              </a:endParaRPr>
             </a:p>
           </p:txBody>
         </p:sp>
       </p:grpSp>
       <p:pic>
         <p:nvPicPr>
-          <p:cNvPr id="25" name=""/>
+          <p:cNvPr id="25" name="Picture 24"/>
           <p:cNvPicPr>
             <a:picLocks noChangeAspect="1"/>
           </p:cNvPicPr>
           <p:nvPr/>
         </p:nvPicPr>
         <p:blipFill>
-          <a:blip r:embed="rId3">
+          <a:blip r:embed="rId1">
             <a:lum/>
-            <a:alphaModFix/>
           </a:blip>
           <a:srcRect/>
           <a:stretch>
@@ -6527,8 +6750,8 @@
         </p:blipFill>
         <p:spPr>
           <a:xfrm>
-            <a:off x="914044" y="694873"/>
-            <a:ext cx="5282351" cy="5752031"/>
+            <a:off x="913765" y="694690"/>
+            <a:ext cx="5726430" cy="5751830"/>
           </a:xfrm>
           <a:prstGeom prst="rect">
             <a:avLst/>
@@ -6558,7 +6781,7 @@
             </a:gdLst>
             <a:ahLst/>
             <a:cxnLst>
-              <a:cxn ang="3cd4">
+              <a:cxn ang="3">
                 <a:pos x="hc" y="t"/>
               </a:cxn>
               <a:cxn ang="0">
@@ -6618,7 +6841,6 @@
                 <a:spcPts val="0"/>
               </a:spcAft>
               <a:buNone/>
-              <a:tabLst/>
             </a:pPr>
             <a:r>
               <a:rPr lang="tr-TR" sz="6800" b="1" i="0" u="none" strike="noStrike" kern="1200" dirty="0">
@@ -6628,39 +6850,25 @@
                 <a:solidFill>
                   <a:srgbClr val="FFFFFF"/>
                 </a:solidFill>
-                <a:latin typeface="Arial" pitchFamily="18"/>
+                <a:latin typeface="Arial" panose="020B0604020202020204" pitchFamily="2"/>
                 <a:ea typeface="Microsoft YaHei" pitchFamily="2"/>
                 <a:cs typeface="Mangal" pitchFamily="2"/>
               </a:rPr>
               <a:t>  </a:t>
             </a:r>
             <a:r>
-              <a:rPr lang="tr-TR" sz="6800" b="1" i="0" u="none" strike="noStrike" kern="1200" dirty="0" smtClean="0">
+              <a:rPr lang="" altLang="tr-TR" sz="6800" b="1" i="0" u="none" strike="noStrike" kern="1200" dirty="0">
                 <a:ln>
                   <a:noFill/>
                 </a:ln>
                 <a:solidFill>
                   <a:srgbClr val="FFFFFF"/>
                 </a:solidFill>
-                <a:latin typeface="Arial" pitchFamily="18"/>
+                <a:latin typeface="Arial" panose="020B0604020202020204" pitchFamily="2"/>
                 <a:ea typeface="Microsoft YaHei" pitchFamily="2"/>
                 <a:cs typeface="Mangal" pitchFamily="2"/>
               </a:rPr>
-              <a:t>DENEME PROJESİ</a:t>
-            </a:r>
-            <a:r>
-              <a:rPr lang="tr-TR" sz="9100" b="1" i="0" u="none" strike="noStrike" kern="1200" dirty="0">
-                <a:ln>
-                  <a:noFill/>
-                </a:ln>
-                <a:solidFill>
-                  <a:srgbClr val="FFFFFF"/>
-                </a:solidFill>
-                <a:latin typeface="Arial" pitchFamily="18"/>
-                <a:ea typeface="Microsoft YaHei" pitchFamily="2"/>
-                <a:cs typeface="Mangal" pitchFamily="2"/>
-              </a:rPr>
-              <a:t/>
+              <a:t>IMAGE STEGANOGRAPHY</a:t>
             </a:r>
             <a:br>
               <a:rPr lang="tr-TR" sz="9100" b="1" i="0" u="none" strike="noStrike" kern="1200" dirty="0">
@@ -6670,35 +6878,21 @@
                 <a:solidFill>
                   <a:srgbClr val="FFFFFF"/>
                 </a:solidFill>
-                <a:latin typeface="Arial" pitchFamily="18"/>
+                <a:latin typeface="Arial" panose="020B0604020202020204" pitchFamily="2"/>
                 <a:ea typeface="Microsoft YaHei" pitchFamily="2"/>
                 <a:cs typeface="Mangal" pitchFamily="2"/>
               </a:rPr>
             </a:br>
             <a:r>
-              <a:rPr lang="tr-TR" sz="4400" dirty="0" smtClean="0">
+              <a:rPr lang="" altLang="tr-TR" sz="4400" dirty="0" smtClean="0">
                 <a:solidFill>
                   <a:srgbClr val="FFFFFF"/>
                 </a:solidFill>
-                <a:latin typeface="Arial" pitchFamily="18"/>
+                <a:latin typeface="Arial" panose="020B0604020202020204" pitchFamily="2"/>
                 <a:ea typeface="Microsoft YaHei" pitchFamily="2"/>
                 <a:cs typeface="Mangal" pitchFamily="2"/>
               </a:rPr>
-              <a:t>Ahmet Arca</a:t>
-            </a:r>
-            <a:r>
-              <a:rPr lang="tr-TR" sz="4100" b="1" i="0" u="none" strike="noStrike" kern="1200" dirty="0">
-                <a:ln>
-                  <a:noFill/>
-                </a:ln>
-                <a:solidFill>
-                  <a:srgbClr val="FFFFFF"/>
-                </a:solidFill>
-                <a:latin typeface="Arial" pitchFamily="18"/>
-                <a:ea typeface="Microsoft YaHei" pitchFamily="2"/>
-                <a:cs typeface="Mangal" pitchFamily="2"/>
-              </a:rPr>
-              <a:t/>
+              <a:t>Emmanuel Maneswa</a:t>
             </a:r>
             <a:br>
               <a:rPr lang="tr-TR" sz="4100" b="1" i="0" u="none" strike="noStrike" kern="1200" dirty="0">
@@ -6708,24 +6902,24 @@
                 <a:solidFill>
                   <a:srgbClr val="FFFFFF"/>
                 </a:solidFill>
-                <a:latin typeface="Arial" pitchFamily="18"/>
+                <a:latin typeface="Arial" panose="020B0604020202020204" pitchFamily="2"/>
                 <a:ea typeface="Microsoft YaHei" pitchFamily="2"/>
                 <a:cs typeface="Mangal" pitchFamily="2"/>
               </a:rPr>
             </a:br>
             <a:r>
-              <a:rPr lang="tr-TR" sz="4100" b="1" i="0" u="none" strike="noStrike" kern="1200" dirty="0">
+              <a:rPr lang="" altLang="tr-TR" sz="4100" b="1" i="0" u="none" strike="noStrike" kern="1200" dirty="0">
                 <a:ln>
                   <a:noFill/>
                 </a:ln>
                 <a:solidFill>
                   <a:srgbClr val="FFFFFF"/>
                 </a:solidFill>
-                <a:latin typeface="Arial" pitchFamily="18"/>
+                <a:latin typeface="Arial" panose="020B0604020202020204" pitchFamily="2"/>
                 <a:ea typeface="Microsoft YaHei" pitchFamily="2"/>
                 <a:cs typeface="Mangal" pitchFamily="2"/>
               </a:rPr>
-              <a:t>Advisor Name</a:t>
+              <a:t>Asst. Prof. Dr. Cem Kalyoncu</a:t>
             </a:r>
             <a:br>
               <a:rPr lang="tr-TR" sz="4100" b="1" i="0" u="none" strike="noStrike" kern="1200" dirty="0">
@@ -6735,7 +6929,7 @@
                 <a:solidFill>
                   <a:srgbClr val="FFFFFF"/>
                 </a:solidFill>
-                <a:latin typeface="Arial" pitchFamily="18"/>
+                <a:latin typeface="Arial" panose="020B0604020202020204" pitchFamily="2"/>
                 <a:ea typeface="Microsoft YaHei" pitchFamily="2"/>
                 <a:cs typeface="Mangal" pitchFamily="2"/>
               </a:rPr>
@@ -6748,7 +6942,7 @@
                 <a:solidFill>
                   <a:srgbClr val="FFFFFF"/>
                 </a:solidFill>
-                <a:latin typeface="Arial" pitchFamily="18"/>
+                <a:latin typeface="Arial" panose="020B0604020202020204" pitchFamily="2"/>
                 <a:ea typeface="Microsoft YaHei" pitchFamily="2"/>
                 <a:cs typeface="Mangal" pitchFamily="2"/>
               </a:rPr>
@@ -6762,7 +6956,7 @@
                 <a:solidFill>
                   <a:srgbClr val="FFFFFF"/>
                 </a:solidFill>
-                <a:latin typeface="Arial" pitchFamily="18"/>
+                <a:latin typeface="Arial" panose="020B0604020202020204" pitchFamily="2"/>
                 <a:ea typeface="Microsoft YaHei" pitchFamily="2"/>
                 <a:cs typeface="Mangal" pitchFamily="2"/>
               </a:rPr>
@@ -6776,7 +6970,7 @@
                 <a:solidFill>
                   <a:srgbClr val="FFFFFF"/>
                 </a:solidFill>
-                <a:latin typeface="Arial" pitchFamily="18"/>
+                <a:latin typeface="Arial" panose="020B0604020202020204" pitchFamily="2"/>
                 <a:ea typeface="Microsoft YaHei" pitchFamily="2"/>
                 <a:cs typeface="Mangal" pitchFamily="2"/>
               </a:rPr>
@@ -6790,7 +6984,7 @@
                 <a:solidFill>
                   <a:srgbClr val="FFFFFF"/>
                 </a:solidFill>
-                <a:latin typeface="Arial" pitchFamily="18"/>
+                <a:latin typeface="Arial" panose="020B0604020202020204" pitchFamily="2"/>
                 <a:ea typeface="Microsoft YaHei" pitchFamily="2"/>
                 <a:cs typeface="Mangal" pitchFamily="2"/>
               </a:rPr>
@@ -6804,7 +6998,7 @@
                 <a:solidFill>
                   <a:srgbClr val="FFFFFF"/>
                 </a:solidFill>
-                <a:latin typeface="Arial" pitchFamily="18"/>
+                <a:latin typeface="Arial" panose="020B0604020202020204" pitchFamily="2"/>
                 <a:ea typeface="Microsoft YaHei" pitchFamily="2"/>
                 <a:cs typeface="Mangal" pitchFamily="2"/>
               </a:rPr>
@@ -6818,7 +7012,7 @@
                 <a:solidFill>
                   <a:srgbClr val="FFFFFF"/>
                 </a:solidFill>
-                <a:latin typeface="Arial" pitchFamily="18"/>
+                <a:latin typeface="Arial" panose="020B0604020202020204" pitchFamily="2"/>
                 <a:ea typeface="Microsoft YaHei" pitchFamily="2"/>
                 <a:cs typeface="Mangal" pitchFamily="2"/>
               </a:rPr>
@@ -6832,7 +7026,7 @@
                 <a:solidFill>
                   <a:srgbClr val="FFFFFF"/>
                 </a:solidFill>
-                <a:latin typeface="Arial" pitchFamily="18"/>
+                <a:latin typeface="Arial" panose="020B0604020202020204" pitchFamily="2"/>
                 <a:ea typeface="Microsoft YaHei" pitchFamily="2"/>
                 <a:cs typeface="Mangal" pitchFamily="2"/>
               </a:rPr>
@@ -6846,7 +7040,7 @@
                 <a:solidFill>
                   <a:srgbClr val="FFFFFF"/>
                 </a:solidFill>
-                <a:latin typeface="Arial" pitchFamily="18"/>
+                <a:latin typeface="Arial" panose="020B0604020202020204" pitchFamily="2"/>
                 <a:ea typeface="Microsoft YaHei" pitchFamily="2"/>
                 <a:cs typeface="Mangal" pitchFamily="2"/>
               </a:rPr>
@@ -6860,7 +7054,7 @@
                 <a:solidFill>
                   <a:srgbClr val="FFFFFF"/>
                 </a:solidFill>
-                <a:latin typeface="Arial" pitchFamily="18"/>
+                <a:latin typeface="Arial" panose="020B0604020202020204" pitchFamily="2"/>
                 <a:ea typeface="Microsoft YaHei" pitchFamily="2"/>
                 <a:cs typeface="Mangal" pitchFamily="2"/>
               </a:rPr>
@@ -6874,7 +7068,7 @@
                 <a:solidFill>
                   <a:srgbClr val="FFFFFF"/>
                 </a:solidFill>
-                <a:latin typeface="Arial" pitchFamily="18"/>
+                <a:latin typeface="Arial" panose="020B0604020202020204" pitchFamily="2"/>
                 <a:ea typeface="Microsoft YaHei" pitchFamily="2"/>
                 <a:cs typeface="Mangal" pitchFamily="2"/>
               </a:rPr>
@@ -6888,7 +7082,7 @@
                 <a:solidFill>
                   <a:srgbClr val="FFFFFF"/>
                 </a:solidFill>
-                <a:latin typeface="Arial" pitchFamily="18"/>
+                <a:latin typeface="Arial" panose="020B0604020202020204" pitchFamily="2"/>
                 <a:ea typeface="Microsoft YaHei" pitchFamily="2"/>
                 <a:cs typeface="Mangal" pitchFamily="2"/>
               </a:rPr>
@@ -6902,7 +7096,7 @@
                 <a:solidFill>
                   <a:srgbClr val="FFFFFF"/>
                 </a:solidFill>
-                <a:latin typeface="Arial" pitchFamily="18"/>
+                <a:latin typeface="Arial" panose="020B0604020202020204" pitchFamily="2"/>
                 <a:ea typeface="Microsoft YaHei" pitchFamily="2"/>
                 <a:cs typeface="Mangal" pitchFamily="2"/>
               </a:rPr>
@@ -6916,7 +7110,7 @@
                 <a:solidFill>
                   <a:srgbClr val="FFFFFF"/>
                 </a:solidFill>
-                <a:latin typeface="Arial" pitchFamily="18"/>
+                <a:latin typeface="Arial" panose="020B0604020202020204" pitchFamily="2"/>
                 <a:ea typeface="Microsoft YaHei" pitchFamily="2"/>
                 <a:cs typeface="Mangal" pitchFamily="2"/>
               </a:rPr>
@@ -6929,13 +7123,185 @@
               <a:solidFill>
                 <a:srgbClr val="FFFFFF"/>
               </a:solidFill>
-              <a:latin typeface="Arial" pitchFamily="18"/>
+              <a:latin typeface="Arial" panose="020B0604020202020204" pitchFamily="2"/>
               <a:ea typeface="Microsoft YaHei" pitchFamily="2"/>
               <a:cs typeface="Mangal" pitchFamily="2"/>
             </a:endParaRPr>
           </a:p>
         </p:txBody>
       </p:sp>
+      <p:pic>
+        <p:nvPicPr>
+          <p:cNvPr id="24" name="Picture 3" descr="secure stego proc"/>
+          <p:cNvPicPr>
+            <a:picLocks noChangeAspect="1"/>
+          </p:cNvPicPr>
+          <p:nvPr/>
+        </p:nvPicPr>
+        <p:blipFill>
+          <a:blip r:embed="rId2"/>
+          <a:stretch>
+            <a:fillRect/>
+          </a:stretch>
+        </p:blipFill>
+        <p:spPr>
+          <a:xfrm>
+            <a:off x="8296910" y="7771130"/>
+            <a:ext cx="13650595" cy="3648710"/>
+          </a:xfrm>
+          <a:prstGeom prst="rect">
+            <a:avLst/>
+          </a:prstGeom>
+        </p:spPr>
+      </p:pic>
+      <p:pic>
+        <p:nvPicPr>
+          <p:cNvPr id="28" name="Picture 4" descr="bit embedding procedure"/>
+          <p:cNvPicPr>
+            <a:picLocks noChangeAspect="1"/>
+          </p:cNvPicPr>
+          <p:nvPr/>
+        </p:nvPicPr>
+        <p:blipFill>
+          <a:blip r:embed="rId3"/>
+          <a:stretch>
+            <a:fillRect/>
+          </a:stretch>
+        </p:blipFill>
+        <p:spPr>
+          <a:xfrm>
+            <a:off x="7277100" y="12270740"/>
+            <a:ext cx="7548880" cy="6032500"/>
+          </a:xfrm>
+          <a:prstGeom prst="rect">
+            <a:avLst/>
+          </a:prstGeom>
+        </p:spPr>
+      </p:pic>
+      <p:pic>
+        <p:nvPicPr>
+          <p:cNvPr id="29" name="Picture 5" descr="bit extraction procedure"/>
+          <p:cNvPicPr>
+            <a:picLocks noChangeAspect="1"/>
+          </p:cNvPicPr>
+          <p:nvPr/>
+        </p:nvPicPr>
+        <p:blipFill>
+          <a:blip r:embed="rId4"/>
+          <a:stretch>
+            <a:fillRect/>
+          </a:stretch>
+        </p:blipFill>
+        <p:spPr>
+          <a:xfrm>
+            <a:off x="15634970" y="12270740"/>
+            <a:ext cx="7264400" cy="6032500"/>
+          </a:xfrm>
+          <a:prstGeom prst="rect">
+            <a:avLst/>
+          </a:prstGeom>
+        </p:spPr>
+      </p:pic>
+      <p:pic>
+        <p:nvPicPr>
+          <p:cNvPr id="34" name="Picture 33" descr="7. embed-extract"/>
+          <p:cNvPicPr>
+            <a:picLocks noChangeAspect="1"/>
+          </p:cNvPicPr>
+          <p:nvPr/>
+        </p:nvPicPr>
+        <p:blipFill>
+          <a:blip r:embed="rId5"/>
+          <a:srcRect l="12437" t="6603" r="8813" b="10623"/>
+          <a:stretch>
+            <a:fillRect/>
+          </a:stretch>
+        </p:blipFill>
+        <p:spPr>
+          <a:xfrm>
+            <a:off x="7277100" y="19900900"/>
+            <a:ext cx="7548880" cy="5006975"/>
+          </a:xfrm>
+          <a:prstGeom prst="rect">
+            <a:avLst/>
+          </a:prstGeom>
+        </p:spPr>
+      </p:pic>
+      <p:pic>
+        <p:nvPicPr>
+          <p:cNvPr id="35" name="Picture 34" descr="8. embed-extract"/>
+          <p:cNvPicPr>
+            <a:picLocks noChangeAspect="1"/>
+          </p:cNvPicPr>
+          <p:nvPr/>
+        </p:nvPicPr>
+        <p:blipFill>
+          <a:blip r:embed="rId6"/>
+          <a:srcRect l="11730" t="5267" r="8807" b="11960"/>
+          <a:stretch>
+            <a:fillRect/>
+          </a:stretch>
+        </p:blipFill>
+        <p:spPr>
+          <a:xfrm>
+            <a:off x="15634970" y="19900900"/>
+            <a:ext cx="7264400" cy="5006975"/>
+          </a:xfrm>
+          <a:prstGeom prst="rect">
+            <a:avLst/>
+          </a:prstGeom>
+        </p:spPr>
+      </p:pic>
+      <p:pic>
+        <p:nvPicPr>
+          <p:cNvPr id="36" name="Picture 35" descr="9. embed-extract"/>
+          <p:cNvPicPr>
+            <a:picLocks noChangeAspect="1"/>
+          </p:cNvPicPr>
+          <p:nvPr/>
+        </p:nvPicPr>
+        <p:blipFill>
+          <a:blip r:embed="rId7"/>
+          <a:srcRect l="11351" t="3975" r="9905" b="10702"/>
+          <a:stretch>
+            <a:fillRect/>
+          </a:stretch>
+        </p:blipFill>
+        <p:spPr>
+          <a:xfrm>
+            <a:off x="9754235" y="25809575"/>
+            <a:ext cx="10736580" cy="6082665"/>
+          </a:xfrm>
+          <a:prstGeom prst="rect">
+            <a:avLst/>
+          </a:prstGeom>
+        </p:spPr>
+      </p:pic>
+      <p:pic>
+        <p:nvPicPr>
+          <p:cNvPr id="37" name="Picture 36" descr="10. embed-extract"/>
+          <p:cNvPicPr>
+            <a:picLocks noChangeAspect="1"/>
+          </p:cNvPicPr>
+          <p:nvPr/>
+        </p:nvPicPr>
+        <p:blipFill>
+          <a:blip r:embed="rId8"/>
+          <a:srcRect l="12254" t="4436" r="8283" b="11522"/>
+          <a:stretch>
+            <a:fillRect/>
+          </a:stretch>
+        </p:blipFill>
+        <p:spPr>
+          <a:xfrm>
+            <a:off x="9752330" y="33349565"/>
+            <a:ext cx="10736580" cy="5840095"/>
+          </a:xfrm>
+          <a:prstGeom prst="rect">
+            <a:avLst/>
+          </a:prstGeom>
+        </p:spPr>
+      </p:pic>
     </p:spTree>
   </p:cSld>
   <p:clrMapOvr>
@@ -7239,8 +7605,11 @@
       </a:bgFillStyleLst>
     </a:fmtScheme>
   </a:themeElements>
-  <a:objectDefaults/>
-  <a:extraClrSchemeLst/>
+  <a:extLst>
+    <a:ext uri="{05A4C25C-085E-4340-85A3-A5531E510DB2}">
+      <thm15:themeFamily xmlns:thm15="http://schemas.microsoft.com/office/thememl/2012/main" name="Office Theme" id="{62F939B6-93AF-4DB8-9C6B-D6C7DFDC589F}" vid="{4A3C46E8-61CC-4603-A589-7422A47A8E4A}"/>
+    </a:ext>
+  </a:extLst>
 </a:theme>
 </file>
 
@@ -7524,8 +7893,11 @@
       </a:bgFillStyleLst>
     </a:fmtScheme>
   </a:themeElements>
-  <a:objectDefaults/>
-  <a:extraClrSchemeLst/>
+  <a:extLst>
+    <a:ext uri="{05A4C25C-085E-4340-85A3-A5531E510DB2}">
+      <thm15:themeFamily xmlns:thm15="http://schemas.microsoft.com/office/thememl/2012/main" name="Office Theme" id="{62F939B6-93AF-4DB8-9C6B-D6C7DFDC589F}" vid="{4A3C46E8-61CC-4603-A589-7422A47A8E4A}"/>
+    </a:ext>
+  </a:extLst>
 </a:theme>
 </file>
 
@@ -7809,7 +8181,10 @@
       </a:bgFillStyleLst>
     </a:fmtScheme>
   </a:themeElements>
-  <a:objectDefaults/>
-  <a:extraClrSchemeLst/>
+  <a:extLst>
+    <a:ext uri="{05A4C25C-085E-4340-85A3-A5531E510DB2}">
+      <thm15:themeFamily xmlns:thm15="http://schemas.microsoft.com/office/thememl/2012/main" name="Office Theme" id="{62F939B6-93AF-4DB8-9C6B-D6C7DFDC589F}" vid="{4A3C46E8-61CC-4603-A589-7422A47A8E4A}"/>
+    </a:ext>
+  </a:extLst>
 </a:theme>
 </file>